--- a/logo/logo.pptx
+++ b/logo/logo.pptx
@@ -6,6 +6,7 @@
   </p:sldMasterIdLst>
   <p:sldIdLst>
     <p:sldId id="256" r:id="rId2"/>
+    <p:sldId id="257" r:id="rId3"/>
   </p:sldIdLst>
   <p:sldSz cx="12192000" cy="6858000"/>
   <p:notesSz cx="6858000" cy="9144000"/>
@@ -3756,6 +3757,795 @@
 </p:sld>
 </file>
 
+<file path=ppt/slides/slide2.xml><?xml version="1.0" encoding="utf-8"?>
+<p:sld xmlns:a="http://schemas.openxmlformats.org/drawingml/2006/main" xmlns:r="http://schemas.openxmlformats.org/officeDocument/2006/relationships" xmlns:p="http://schemas.openxmlformats.org/presentationml/2006/main">
+  <p:cSld>
+    <p:spTree>
+      <p:nvGrpSpPr>
+        <p:cNvPr id="1" name=""/>
+        <p:cNvGrpSpPr/>
+        <p:nvPr/>
+      </p:nvGrpSpPr>
+      <p:grpSpPr>
+        <a:xfrm>
+          <a:off x="0" y="0"/>
+          <a:ext cx="0" cy="0"/>
+          <a:chOff x="0" y="0"/>
+          <a:chExt cx="0" cy="0"/>
+        </a:xfrm>
+      </p:grpSpPr>
+      <p:cxnSp>
+        <p:nvCxnSpPr>
+          <p:cNvPr id="9" name="直接连接符 8"/>
+          <p:cNvCxnSpPr/>
+          <p:nvPr/>
+        </p:nvCxnSpPr>
+        <p:spPr bwMode="auto">
+          <a:xfrm flipH="1">
+            <a:off x="4252382" y="552321"/>
+            <a:ext cx="1008112" cy="447957"/>
+          </a:xfrm>
+          <a:prstGeom prst="line">
+            <a:avLst/>
+          </a:prstGeom>
+          <a:solidFill>
+            <a:srgbClr val="FFFFFF"/>
+          </a:solidFill>
+          <a:ln w="101600" cap="flat" cmpd="sng" algn="ctr">
+            <a:solidFill>
+              <a:srgbClr val="0077E6"/>
+            </a:solidFill>
+            <a:prstDash val="solid"/>
+            <a:round/>
+            <a:headEnd type="oval" w="med" len="med"/>
+            <a:tailEnd type="oval"/>
+          </a:ln>
+          <a:effectLst/>
+        </p:spPr>
+      </p:cxnSp>
+      <p:cxnSp>
+        <p:nvCxnSpPr>
+          <p:cNvPr id="14" name="直接连接符 13"/>
+          <p:cNvCxnSpPr/>
+          <p:nvPr/>
+        </p:nvCxnSpPr>
+        <p:spPr bwMode="auto">
+          <a:xfrm>
+            <a:off x="5274740" y="552321"/>
+            <a:ext cx="2563796" cy="2088232"/>
+          </a:xfrm>
+          <a:prstGeom prst="line">
+            <a:avLst/>
+          </a:prstGeom>
+          <a:solidFill>
+            <a:srgbClr val="FFFFFF"/>
+          </a:solidFill>
+          <a:ln w="101600" cap="flat" cmpd="sng" algn="ctr">
+            <a:solidFill>
+              <a:srgbClr val="0077E6"/>
+            </a:solidFill>
+            <a:prstDash val="solid"/>
+            <a:round/>
+            <a:headEnd type="oval" w="med" len="med"/>
+            <a:tailEnd type="oval"/>
+          </a:ln>
+          <a:effectLst/>
+        </p:spPr>
+      </p:cxnSp>
+      <p:cxnSp>
+        <p:nvCxnSpPr>
+          <p:cNvPr id="18" name="直接连接符 17"/>
+          <p:cNvCxnSpPr/>
+          <p:nvPr/>
+        </p:nvCxnSpPr>
+        <p:spPr bwMode="auto">
+          <a:xfrm flipH="1" flipV="1">
+            <a:off x="7850930" y="2640553"/>
+            <a:ext cx="1009964" cy="576064"/>
+          </a:xfrm>
+          <a:prstGeom prst="line">
+            <a:avLst/>
+          </a:prstGeom>
+          <a:solidFill>
+            <a:srgbClr val="FFFFFF"/>
+          </a:solidFill>
+          <a:ln w="101600" cap="flat" cmpd="sng" algn="ctr">
+            <a:solidFill>
+              <a:srgbClr val="0077E6"/>
+            </a:solidFill>
+            <a:prstDash val="solid"/>
+            <a:round/>
+            <a:headEnd type="oval" w="med" len="med"/>
+            <a:tailEnd type="oval"/>
+          </a:ln>
+          <a:effectLst/>
+        </p:spPr>
+      </p:cxnSp>
+      <p:cxnSp>
+        <p:nvCxnSpPr>
+          <p:cNvPr id="21" name="直接连接符 20"/>
+          <p:cNvCxnSpPr/>
+          <p:nvPr/>
+        </p:nvCxnSpPr>
+        <p:spPr bwMode="auto">
+          <a:xfrm>
+            <a:off x="4252382" y="1000278"/>
+            <a:ext cx="2520280" cy="2641092"/>
+          </a:xfrm>
+          <a:prstGeom prst="line">
+            <a:avLst/>
+          </a:prstGeom>
+          <a:solidFill>
+            <a:srgbClr val="FFFFFF"/>
+          </a:solidFill>
+          <a:ln w="101600" cap="flat" cmpd="sng" algn="ctr">
+            <a:solidFill>
+              <a:srgbClr val="0077E6"/>
+            </a:solidFill>
+            <a:prstDash val="solid"/>
+            <a:round/>
+            <a:headEnd type="oval" w="med" len="med"/>
+            <a:tailEnd type="oval"/>
+          </a:ln>
+          <a:effectLst/>
+        </p:spPr>
+      </p:cxnSp>
+      <p:cxnSp>
+        <p:nvCxnSpPr>
+          <p:cNvPr id="24" name="直接连接符 23"/>
+          <p:cNvCxnSpPr/>
+          <p:nvPr/>
+        </p:nvCxnSpPr>
+        <p:spPr bwMode="auto">
+          <a:xfrm flipH="1">
+            <a:off x="5649902" y="3636285"/>
+            <a:ext cx="1122760" cy="313885"/>
+          </a:xfrm>
+          <a:prstGeom prst="line">
+            <a:avLst/>
+          </a:prstGeom>
+          <a:solidFill>
+            <a:srgbClr val="FFFFFF"/>
+          </a:solidFill>
+          <a:ln w="101600" cap="flat" cmpd="sng" algn="ctr">
+            <a:solidFill>
+              <a:srgbClr val="0077E6"/>
+            </a:solidFill>
+            <a:prstDash val="solid"/>
+            <a:round/>
+            <a:headEnd type="oval" w="med" len="med"/>
+            <a:tailEnd type="oval"/>
+          </a:ln>
+          <a:effectLst/>
+        </p:spPr>
+      </p:cxnSp>
+      <p:cxnSp>
+        <p:nvCxnSpPr>
+          <p:cNvPr id="28" name="直接连接符 27"/>
+          <p:cNvCxnSpPr/>
+          <p:nvPr/>
+        </p:nvCxnSpPr>
+        <p:spPr bwMode="auto">
+          <a:xfrm flipH="1">
+            <a:off x="3604310" y="637801"/>
+            <a:ext cx="4320480" cy="2339126"/>
+          </a:xfrm>
+          <a:prstGeom prst="line">
+            <a:avLst/>
+          </a:prstGeom>
+          <a:solidFill>
+            <a:srgbClr val="FFFFFF"/>
+          </a:solidFill>
+          <a:ln w="101600" cap="flat" cmpd="sng" algn="ctr">
+            <a:solidFill>
+              <a:srgbClr val="0077E6"/>
+            </a:solidFill>
+            <a:prstDash val="solid"/>
+            <a:round/>
+            <a:headEnd type="oval" w="med" len="med"/>
+            <a:tailEnd type="oval"/>
+          </a:ln>
+          <a:effectLst/>
+        </p:spPr>
+      </p:cxnSp>
+      <p:cxnSp>
+        <p:nvCxnSpPr>
+          <p:cNvPr id="31" name="直接连接符 30"/>
+          <p:cNvCxnSpPr/>
+          <p:nvPr/>
+        </p:nvCxnSpPr>
+        <p:spPr bwMode="auto">
+          <a:xfrm flipH="1">
+            <a:off x="4656020" y="2640552"/>
+            <a:ext cx="3182516" cy="659359"/>
+          </a:xfrm>
+          <a:prstGeom prst="line">
+            <a:avLst/>
+          </a:prstGeom>
+          <a:solidFill>
+            <a:srgbClr val="FFFFFF"/>
+          </a:solidFill>
+          <a:ln w="101600" cap="flat" cmpd="sng" algn="ctr">
+            <a:solidFill>
+              <a:srgbClr val="0077E6"/>
+            </a:solidFill>
+            <a:prstDash val="solid"/>
+            <a:round/>
+            <a:headEnd type="oval" w="med" len="med"/>
+            <a:tailEnd type="oval"/>
+          </a:ln>
+          <a:effectLst/>
+        </p:spPr>
+      </p:cxnSp>
+      <p:cxnSp>
+        <p:nvCxnSpPr>
+          <p:cNvPr id="34" name="直接连接符 33"/>
+          <p:cNvCxnSpPr/>
+          <p:nvPr/>
+        </p:nvCxnSpPr>
+        <p:spPr bwMode="auto">
+          <a:xfrm flipH="1" flipV="1">
+            <a:off x="3430928" y="1741506"/>
+            <a:ext cx="173382" cy="1228727"/>
+          </a:xfrm>
+          <a:prstGeom prst="line">
+            <a:avLst/>
+          </a:prstGeom>
+          <a:solidFill>
+            <a:srgbClr val="FFFFFF"/>
+          </a:solidFill>
+          <a:ln w="101600" cap="flat" cmpd="sng" algn="ctr">
+            <a:solidFill>
+              <a:srgbClr val="0077E6"/>
+            </a:solidFill>
+            <a:prstDash val="solid"/>
+            <a:round/>
+            <a:headEnd type="oval" w="med" len="med"/>
+            <a:tailEnd type="oval"/>
+          </a:ln>
+          <a:effectLst/>
+        </p:spPr>
+      </p:cxnSp>
+      <p:cxnSp>
+        <p:nvCxnSpPr>
+          <p:cNvPr id="37" name="直接连接符 36"/>
+          <p:cNvCxnSpPr/>
+          <p:nvPr/>
+        </p:nvCxnSpPr>
+        <p:spPr bwMode="auto">
+          <a:xfrm>
+            <a:off x="6340614" y="391755"/>
+            <a:ext cx="1510316" cy="4601857"/>
+          </a:xfrm>
+          <a:prstGeom prst="line">
+            <a:avLst/>
+          </a:prstGeom>
+          <a:solidFill>
+            <a:srgbClr val="FFFFFF"/>
+          </a:solidFill>
+          <a:ln w="101600" cap="flat" cmpd="sng" algn="ctr">
+            <a:solidFill>
+              <a:srgbClr val="0077E6"/>
+            </a:solidFill>
+            <a:prstDash val="solid"/>
+            <a:round/>
+            <a:headEnd type="oval" w="med" len="med"/>
+            <a:tailEnd type="oval"/>
+          </a:ln>
+          <a:effectLst/>
+        </p:spPr>
+      </p:cxnSp>
+      <p:cxnSp>
+        <p:nvCxnSpPr>
+          <p:cNvPr id="40" name="直接连接符 39"/>
+          <p:cNvCxnSpPr/>
+          <p:nvPr/>
+        </p:nvCxnSpPr>
+        <p:spPr bwMode="auto">
+          <a:xfrm flipV="1">
+            <a:off x="3418534" y="1000175"/>
+            <a:ext cx="833848" cy="726450"/>
+          </a:xfrm>
+          <a:prstGeom prst="line">
+            <a:avLst/>
+          </a:prstGeom>
+          <a:solidFill>
+            <a:srgbClr val="FFFFFF"/>
+          </a:solidFill>
+          <a:ln w="101600" cap="flat" cmpd="sng" algn="ctr">
+            <a:solidFill>
+              <a:srgbClr val="0077E6"/>
+            </a:solidFill>
+            <a:prstDash val="solid"/>
+            <a:round/>
+            <a:headEnd type="oval" w="med" len="med"/>
+            <a:tailEnd type="oval"/>
+          </a:ln>
+          <a:effectLst/>
+        </p:spPr>
+      </p:cxnSp>
+      <p:cxnSp>
+        <p:nvCxnSpPr>
+          <p:cNvPr id="43" name="直接连接符 42"/>
+          <p:cNvCxnSpPr/>
+          <p:nvPr/>
+        </p:nvCxnSpPr>
+        <p:spPr bwMode="auto">
+          <a:xfrm flipH="1">
+            <a:off x="5260495" y="391755"/>
+            <a:ext cx="1080121" cy="160566"/>
+          </a:xfrm>
+          <a:prstGeom prst="line">
+            <a:avLst/>
+          </a:prstGeom>
+          <a:solidFill>
+            <a:srgbClr val="FFFFFF"/>
+          </a:solidFill>
+          <a:ln w="101600" cap="flat" cmpd="sng" algn="ctr">
+            <a:solidFill>
+              <a:srgbClr val="0077E6"/>
+            </a:solidFill>
+            <a:prstDash val="solid"/>
+            <a:round/>
+            <a:headEnd type="oval" w="med" len="med"/>
+            <a:tailEnd type="oval"/>
+          </a:ln>
+          <a:effectLst/>
+        </p:spPr>
+      </p:cxnSp>
+      <p:cxnSp>
+        <p:nvCxnSpPr>
+          <p:cNvPr id="46" name="直接连接符 45"/>
+          <p:cNvCxnSpPr/>
+          <p:nvPr/>
+        </p:nvCxnSpPr>
+        <p:spPr bwMode="auto">
+          <a:xfrm>
+            <a:off x="6772662" y="3636285"/>
+            <a:ext cx="517261" cy="815981"/>
+          </a:xfrm>
+          <a:prstGeom prst="line">
+            <a:avLst/>
+          </a:prstGeom>
+          <a:solidFill>
+            <a:srgbClr val="FFFFFF"/>
+          </a:solidFill>
+          <a:ln w="101600" cap="flat" cmpd="sng" algn="ctr">
+            <a:solidFill>
+              <a:srgbClr val="0077E6"/>
+            </a:solidFill>
+            <a:prstDash val="solid"/>
+            <a:round/>
+            <a:headEnd type="oval" w="med" len="med"/>
+            <a:tailEnd type="oval"/>
+          </a:ln>
+          <a:effectLst/>
+        </p:spPr>
+      </p:cxnSp>
+      <p:cxnSp>
+        <p:nvCxnSpPr>
+          <p:cNvPr id="49" name="直接连接符 48"/>
+          <p:cNvCxnSpPr/>
+          <p:nvPr/>
+        </p:nvCxnSpPr>
+        <p:spPr bwMode="auto">
+          <a:xfrm flipV="1">
+            <a:off x="6747047" y="2503239"/>
+            <a:ext cx="2545895" cy="1156969"/>
+          </a:xfrm>
+          <a:prstGeom prst="line">
+            <a:avLst/>
+          </a:prstGeom>
+          <a:solidFill>
+            <a:srgbClr val="FFFFFF"/>
+          </a:solidFill>
+          <a:ln w="101600" cap="flat" cmpd="sng" algn="ctr">
+            <a:solidFill>
+              <a:srgbClr val="0077E6"/>
+            </a:solidFill>
+            <a:prstDash val="solid"/>
+            <a:round/>
+            <a:headEnd type="oval" w="med" len="med"/>
+            <a:tailEnd type="oval"/>
+          </a:ln>
+          <a:effectLst/>
+        </p:spPr>
+      </p:cxnSp>
+      <p:cxnSp>
+        <p:nvCxnSpPr>
+          <p:cNvPr id="53" name="直接连接符 52"/>
+          <p:cNvCxnSpPr/>
+          <p:nvPr/>
+        </p:nvCxnSpPr>
+        <p:spPr bwMode="auto">
+          <a:xfrm flipV="1">
+            <a:off x="7850930" y="635872"/>
+            <a:ext cx="73860" cy="1991587"/>
+          </a:xfrm>
+          <a:prstGeom prst="line">
+            <a:avLst/>
+          </a:prstGeom>
+          <a:solidFill>
+            <a:srgbClr val="FFFFFF"/>
+          </a:solidFill>
+          <a:ln w="101600" cap="flat" cmpd="sng" algn="ctr">
+            <a:solidFill>
+              <a:srgbClr val="0077E6"/>
+            </a:solidFill>
+            <a:prstDash val="solid"/>
+            <a:round/>
+            <a:headEnd type="oval" w="med" len="med"/>
+            <a:tailEnd type="oval"/>
+          </a:ln>
+          <a:effectLst/>
+        </p:spPr>
+      </p:cxnSp>
+      <p:cxnSp>
+        <p:nvCxnSpPr>
+          <p:cNvPr id="62" name="直接连接符 61"/>
+          <p:cNvCxnSpPr/>
+          <p:nvPr/>
+        </p:nvCxnSpPr>
+        <p:spPr bwMode="auto">
+          <a:xfrm flipV="1">
+            <a:off x="7717397" y="3944045"/>
+            <a:ext cx="937564" cy="556115"/>
+          </a:xfrm>
+          <a:prstGeom prst="line">
+            <a:avLst/>
+          </a:prstGeom>
+          <a:solidFill>
+            <a:srgbClr val="FFFFFF"/>
+          </a:solidFill>
+          <a:ln w="101600" cap="flat" cmpd="sng" algn="ctr">
+            <a:solidFill>
+              <a:srgbClr val="0077E6"/>
+            </a:solidFill>
+            <a:prstDash val="solid"/>
+            <a:round/>
+            <a:headEnd type="oval" w="med" len="med"/>
+            <a:tailEnd type="oval"/>
+          </a:ln>
+          <a:effectLst/>
+        </p:spPr>
+      </p:cxnSp>
+      <p:cxnSp>
+        <p:nvCxnSpPr>
+          <p:cNvPr id="65" name="直接连接符 64"/>
+          <p:cNvCxnSpPr/>
+          <p:nvPr/>
+        </p:nvCxnSpPr>
+        <p:spPr bwMode="auto">
+          <a:xfrm>
+            <a:off x="7315538" y="4452266"/>
+            <a:ext cx="522998" cy="541346"/>
+          </a:xfrm>
+          <a:prstGeom prst="line">
+            <a:avLst/>
+          </a:prstGeom>
+          <a:solidFill>
+            <a:srgbClr val="FFFFFF"/>
+          </a:solidFill>
+          <a:ln w="101600" cap="flat" cmpd="sng" algn="ctr">
+            <a:solidFill>
+              <a:srgbClr val="0077E6"/>
+            </a:solidFill>
+            <a:prstDash val="solid"/>
+            <a:round/>
+            <a:headEnd type="oval" w="med" len="med"/>
+            <a:tailEnd type="oval"/>
+          </a:ln>
+          <a:effectLst/>
+        </p:spPr>
+      </p:cxnSp>
+      <p:cxnSp>
+        <p:nvCxnSpPr>
+          <p:cNvPr id="68" name="直接连接符 67"/>
+          <p:cNvCxnSpPr/>
+          <p:nvPr/>
+        </p:nvCxnSpPr>
+        <p:spPr bwMode="auto">
+          <a:xfrm>
+            <a:off x="4656020" y="3299911"/>
+            <a:ext cx="993882" cy="648327"/>
+          </a:xfrm>
+          <a:prstGeom prst="line">
+            <a:avLst/>
+          </a:prstGeom>
+          <a:solidFill>
+            <a:srgbClr val="FFFFFF"/>
+          </a:solidFill>
+          <a:ln w="101600" cap="flat" cmpd="sng" algn="ctr">
+            <a:solidFill>
+              <a:srgbClr val="0077E6"/>
+            </a:solidFill>
+            <a:prstDash val="solid"/>
+            <a:round/>
+            <a:headEnd type="oval" w="med" len="med"/>
+            <a:tailEnd type="oval"/>
+          </a:ln>
+          <a:effectLst/>
+        </p:spPr>
+      </p:cxnSp>
+      <p:cxnSp>
+        <p:nvCxnSpPr>
+          <p:cNvPr id="71" name="直接连接符 70"/>
+          <p:cNvCxnSpPr/>
+          <p:nvPr/>
+        </p:nvCxnSpPr>
+        <p:spPr bwMode="auto">
+          <a:xfrm>
+            <a:off x="3619019" y="2963537"/>
+            <a:ext cx="1037001" cy="336374"/>
+          </a:xfrm>
+          <a:prstGeom prst="line">
+            <a:avLst/>
+          </a:prstGeom>
+          <a:solidFill>
+            <a:srgbClr val="FFFFFF"/>
+          </a:solidFill>
+          <a:ln w="101600" cap="flat" cmpd="sng" algn="ctr">
+            <a:solidFill>
+              <a:srgbClr val="0077E6"/>
+            </a:solidFill>
+            <a:prstDash val="solid"/>
+            <a:round/>
+            <a:headEnd type="oval" w="med" len="med"/>
+            <a:tailEnd type="oval"/>
+          </a:ln>
+          <a:effectLst/>
+        </p:spPr>
+      </p:cxnSp>
+      <p:cxnSp>
+        <p:nvCxnSpPr>
+          <p:cNvPr id="74" name="直接连接符 73"/>
+          <p:cNvCxnSpPr/>
+          <p:nvPr/>
+        </p:nvCxnSpPr>
+        <p:spPr bwMode="auto">
+          <a:xfrm flipV="1">
+            <a:off x="3628656" y="993583"/>
+            <a:ext cx="611332" cy="1935002"/>
+          </a:xfrm>
+          <a:prstGeom prst="line">
+            <a:avLst/>
+          </a:prstGeom>
+          <a:solidFill>
+            <a:srgbClr val="FFFFFF"/>
+          </a:solidFill>
+          <a:ln w="101600" cap="flat" cmpd="sng" algn="ctr">
+            <a:solidFill>
+              <a:srgbClr val="0077E6"/>
+            </a:solidFill>
+            <a:prstDash val="solid"/>
+            <a:round/>
+            <a:headEnd type="oval" w="med" len="med"/>
+            <a:tailEnd type="oval"/>
+          </a:ln>
+          <a:effectLst/>
+        </p:spPr>
+      </p:cxnSp>
+      <p:cxnSp>
+        <p:nvCxnSpPr>
+          <p:cNvPr id="77" name="直接连接符 76"/>
+          <p:cNvCxnSpPr/>
+          <p:nvPr/>
+        </p:nvCxnSpPr>
+        <p:spPr bwMode="auto">
+          <a:xfrm flipH="1" flipV="1">
+            <a:off x="6400229" y="388088"/>
+            <a:ext cx="2905108" cy="2115055"/>
+          </a:xfrm>
+          <a:prstGeom prst="line">
+            <a:avLst/>
+          </a:prstGeom>
+          <a:solidFill>
+            <a:srgbClr val="FFFFFF"/>
+          </a:solidFill>
+          <a:ln w="101600" cap="flat" cmpd="sng" algn="ctr">
+            <a:solidFill>
+              <a:srgbClr val="0077E6"/>
+            </a:solidFill>
+            <a:prstDash val="solid"/>
+            <a:round/>
+            <a:headEnd type="oval" w="med" len="med"/>
+            <a:tailEnd type="oval"/>
+          </a:ln>
+          <a:effectLst/>
+        </p:spPr>
+      </p:cxnSp>
+      <p:cxnSp>
+        <p:nvCxnSpPr>
+          <p:cNvPr id="81" name="直接连接符 80"/>
+          <p:cNvCxnSpPr/>
+          <p:nvPr/>
+        </p:nvCxnSpPr>
+        <p:spPr bwMode="auto">
+          <a:xfrm flipH="1" flipV="1">
+            <a:off x="7924793" y="618965"/>
+            <a:ext cx="979619" cy="865936"/>
+          </a:xfrm>
+          <a:prstGeom prst="line">
+            <a:avLst/>
+          </a:prstGeom>
+          <a:solidFill>
+            <a:srgbClr val="FFFFFF"/>
+          </a:solidFill>
+          <a:ln w="101600" cap="flat" cmpd="sng" algn="ctr">
+            <a:solidFill>
+              <a:srgbClr val="0077E6"/>
+            </a:solidFill>
+            <a:prstDash val="solid"/>
+            <a:round/>
+            <a:headEnd type="oval" w="med" len="med"/>
+            <a:tailEnd type="oval"/>
+          </a:ln>
+          <a:effectLst/>
+        </p:spPr>
+      </p:cxnSp>
+      <p:cxnSp>
+        <p:nvCxnSpPr>
+          <p:cNvPr id="83" name="直接连接符 82"/>
+          <p:cNvCxnSpPr/>
+          <p:nvPr/>
+        </p:nvCxnSpPr>
+        <p:spPr bwMode="auto">
+          <a:xfrm flipH="1" flipV="1">
+            <a:off x="8904410" y="1497997"/>
+            <a:ext cx="400926" cy="1018240"/>
+          </a:xfrm>
+          <a:prstGeom prst="line">
+            <a:avLst/>
+          </a:prstGeom>
+          <a:solidFill>
+            <a:srgbClr val="FFFFFF"/>
+          </a:solidFill>
+          <a:ln w="101600" cap="flat" cmpd="sng" algn="ctr">
+            <a:solidFill>
+              <a:srgbClr val="0077E6"/>
+            </a:solidFill>
+            <a:prstDash val="solid"/>
+            <a:round/>
+            <a:headEnd type="oval" w="med" len="med"/>
+            <a:tailEnd type="oval"/>
+          </a:ln>
+          <a:effectLst/>
+        </p:spPr>
+      </p:cxnSp>
+      <p:cxnSp>
+        <p:nvCxnSpPr>
+          <p:cNvPr id="86" name="直接连接符 85"/>
+          <p:cNvCxnSpPr/>
+          <p:nvPr/>
+        </p:nvCxnSpPr>
+        <p:spPr bwMode="auto">
+          <a:xfrm flipV="1">
+            <a:off x="8860894" y="2503141"/>
+            <a:ext cx="432048" cy="713476"/>
+          </a:xfrm>
+          <a:prstGeom prst="line">
+            <a:avLst/>
+          </a:prstGeom>
+          <a:solidFill>
+            <a:srgbClr val="FFFFFF"/>
+          </a:solidFill>
+          <a:ln w="101600" cap="flat" cmpd="sng" algn="ctr">
+            <a:solidFill>
+              <a:srgbClr val="0077E6"/>
+            </a:solidFill>
+            <a:prstDash val="solid"/>
+            <a:round/>
+            <a:headEnd type="oval" w="med" len="med"/>
+            <a:tailEnd type="oval"/>
+          </a:ln>
+          <a:effectLst/>
+        </p:spPr>
+      </p:cxnSp>
+      <p:cxnSp>
+        <p:nvCxnSpPr>
+          <p:cNvPr id="89" name="直接连接符 88"/>
+          <p:cNvCxnSpPr/>
+          <p:nvPr/>
+        </p:nvCxnSpPr>
+        <p:spPr bwMode="auto">
+          <a:xfrm flipV="1">
+            <a:off x="8654961" y="3178792"/>
+            <a:ext cx="204082" cy="765253"/>
+          </a:xfrm>
+          <a:prstGeom prst="line">
+            <a:avLst/>
+          </a:prstGeom>
+          <a:solidFill>
+            <a:srgbClr val="FFFFFF"/>
+          </a:solidFill>
+          <a:ln w="101600" cap="flat" cmpd="sng" algn="ctr">
+            <a:solidFill>
+              <a:srgbClr val="0077E6"/>
+            </a:solidFill>
+            <a:prstDash val="solid"/>
+            <a:round/>
+            <a:headEnd type="oval" w="med" len="med"/>
+            <a:tailEnd type="oval"/>
+          </a:ln>
+          <a:effectLst/>
+        </p:spPr>
+      </p:cxnSp>
+      <p:cxnSp>
+        <p:nvCxnSpPr>
+          <p:cNvPr id="92" name="直接连接符 91"/>
+          <p:cNvCxnSpPr/>
+          <p:nvPr/>
+        </p:nvCxnSpPr>
+        <p:spPr bwMode="auto">
+          <a:xfrm>
+            <a:off x="6384211" y="388087"/>
+            <a:ext cx="1549744" cy="230878"/>
+          </a:xfrm>
+          <a:prstGeom prst="line">
+            <a:avLst/>
+          </a:prstGeom>
+          <a:solidFill>
+            <a:srgbClr val="FFFFFF"/>
+          </a:solidFill>
+          <a:ln w="101600" cap="flat" cmpd="sng" algn="ctr">
+            <a:solidFill>
+              <a:srgbClr val="0077E6"/>
+            </a:solidFill>
+            <a:prstDash val="solid"/>
+            <a:round/>
+            <a:headEnd type="oval" w="med" len="med"/>
+            <a:tailEnd type="oval"/>
+          </a:ln>
+          <a:effectLst/>
+        </p:spPr>
+      </p:cxnSp>
+      <p:sp>
+        <p:nvSpPr>
+          <p:cNvPr id="8" name="矩形 7"/>
+          <p:cNvSpPr/>
+          <p:nvPr/>
+        </p:nvSpPr>
+        <p:spPr>
+          <a:xfrm>
+            <a:off x="2440040" y="5316596"/>
+            <a:ext cx="8233196" cy="938719"/>
+          </a:xfrm>
+          <a:prstGeom prst="rect">
+            <a:avLst/>
+          </a:prstGeom>
+        </p:spPr>
+        <p:txBody>
+          <a:bodyPr wrap="square">
+            <a:spAutoFit/>
+          </a:bodyPr>
+          <a:lstStyle/>
+          <a:p>
+            <a:r>
+              <a:rPr lang="zh-CN" altLang="en-US" sz="5500" dirty="0">
+                <a:solidFill>
+                  <a:srgbClr val="0077E6"/>
+                </a:solidFill>
+                <a:latin typeface="Ubuntu Monospaced" panose="020B0509030602030204" pitchFamily="49" charset="0"/>
+              </a:rPr>
+              <a:t>java-knowledge-mind-map</a:t>
+            </a:r>
+          </a:p>
+        </p:txBody>
+      </p:sp>
+    </p:spTree>
+    <p:extLst>
+      <p:ext uri="{BB962C8B-B14F-4D97-AF65-F5344CB8AC3E}">
+        <p14:creationId xmlns:p14="http://schemas.microsoft.com/office/powerpoint/2010/main" val="521292947"/>
+      </p:ext>
+    </p:extLst>
+  </p:cSld>
+  <p:clrMapOvr>
+    <a:masterClrMapping/>
+  </p:clrMapOvr>
+  <p:transition spd="med"/>
+</p:sld>
+</file>
+
 <file path=ppt/theme/theme1.xml><?xml version="1.0" encoding="utf-8"?>
 <a:theme xmlns:a="http://schemas.openxmlformats.org/drawingml/2006/main" name="Office 主题">
   <a:themeElements>

--- a/logo/logo.pptx
+++ b/logo/logo.pptx
@@ -5,8 +5,7 @@
     <p:sldMasterId id="2147483648" r:id="rId1"/>
   </p:sldMasterIdLst>
   <p:sldIdLst>
-    <p:sldId id="256" r:id="rId2"/>
-    <p:sldId id="257" r:id="rId3"/>
+    <p:sldId id="257" r:id="rId2"/>
   </p:sldIdLst>
   <p:sldSz cx="12192000" cy="6858000"/>
   <p:notesSz cx="6858000" cy="9144000"/>
@@ -244,7 +243,7 @@
           <a:p>
             <a:fld id="{8EA9E01C-C954-4BD3-9583-2C6EDEF177F2}" type="datetimeFigureOut">
               <a:rPr lang="zh-CN" altLang="en-US" smtClean="0"/>
-              <a:t>2018/12/31</a:t>
+              <a:t>2019/1/1</a:t>
             </a:fld>
             <a:endParaRPr lang="zh-CN" altLang="en-US"/>
           </a:p>
@@ -414,7 +413,7 @@
           <a:p>
             <a:fld id="{8EA9E01C-C954-4BD3-9583-2C6EDEF177F2}" type="datetimeFigureOut">
               <a:rPr lang="zh-CN" altLang="en-US" smtClean="0"/>
-              <a:t>2018/12/31</a:t>
+              <a:t>2019/1/1</a:t>
             </a:fld>
             <a:endParaRPr lang="zh-CN" altLang="en-US"/>
           </a:p>
@@ -594,7 +593,7 @@
           <a:p>
             <a:fld id="{8EA9E01C-C954-4BD3-9583-2C6EDEF177F2}" type="datetimeFigureOut">
               <a:rPr lang="zh-CN" altLang="en-US" smtClean="0"/>
-              <a:t>2018/12/31</a:t>
+              <a:t>2019/1/1</a:t>
             </a:fld>
             <a:endParaRPr lang="zh-CN" altLang="en-US"/>
           </a:p>
@@ -764,7 +763,7 @@
           <a:p>
             <a:fld id="{8EA9E01C-C954-4BD3-9583-2C6EDEF177F2}" type="datetimeFigureOut">
               <a:rPr lang="zh-CN" altLang="en-US" smtClean="0"/>
-              <a:t>2018/12/31</a:t>
+              <a:t>2019/1/1</a:t>
             </a:fld>
             <a:endParaRPr lang="zh-CN" altLang="en-US"/>
           </a:p>
@@ -1010,7 +1009,7 @@
           <a:p>
             <a:fld id="{8EA9E01C-C954-4BD3-9583-2C6EDEF177F2}" type="datetimeFigureOut">
               <a:rPr lang="zh-CN" altLang="en-US" smtClean="0"/>
-              <a:t>2018/12/31</a:t>
+              <a:t>2019/1/1</a:t>
             </a:fld>
             <a:endParaRPr lang="zh-CN" altLang="en-US"/>
           </a:p>
@@ -1242,7 +1241,7 @@
           <a:p>
             <a:fld id="{8EA9E01C-C954-4BD3-9583-2C6EDEF177F2}" type="datetimeFigureOut">
               <a:rPr lang="zh-CN" altLang="en-US" smtClean="0"/>
-              <a:t>2018/12/31</a:t>
+              <a:t>2019/1/1</a:t>
             </a:fld>
             <a:endParaRPr lang="zh-CN" altLang="en-US"/>
           </a:p>
@@ -1609,7 +1608,7 @@
           <a:p>
             <a:fld id="{8EA9E01C-C954-4BD3-9583-2C6EDEF177F2}" type="datetimeFigureOut">
               <a:rPr lang="zh-CN" altLang="en-US" smtClean="0"/>
-              <a:t>2018/12/31</a:t>
+              <a:t>2019/1/1</a:t>
             </a:fld>
             <a:endParaRPr lang="zh-CN" altLang="en-US"/>
           </a:p>
@@ -1727,7 +1726,7 @@
           <a:p>
             <a:fld id="{8EA9E01C-C954-4BD3-9583-2C6EDEF177F2}" type="datetimeFigureOut">
               <a:rPr lang="zh-CN" altLang="en-US" smtClean="0"/>
-              <a:t>2018/12/31</a:t>
+              <a:t>2019/1/1</a:t>
             </a:fld>
             <a:endParaRPr lang="zh-CN" altLang="en-US"/>
           </a:p>
@@ -1822,7 +1821,7 @@
           <a:p>
             <a:fld id="{8EA9E01C-C954-4BD3-9583-2C6EDEF177F2}" type="datetimeFigureOut">
               <a:rPr lang="zh-CN" altLang="en-US" smtClean="0"/>
-              <a:t>2018/12/31</a:t>
+              <a:t>2019/1/1</a:t>
             </a:fld>
             <a:endParaRPr lang="zh-CN" altLang="en-US"/>
           </a:p>
@@ -2099,7 +2098,7 @@
           <a:p>
             <a:fld id="{8EA9E01C-C954-4BD3-9583-2C6EDEF177F2}" type="datetimeFigureOut">
               <a:rPr lang="zh-CN" altLang="en-US" smtClean="0"/>
-              <a:t>2018/12/31</a:t>
+              <a:t>2019/1/1</a:t>
             </a:fld>
             <a:endParaRPr lang="zh-CN" altLang="en-US"/>
           </a:p>
@@ -2352,7 +2351,7 @@
           <a:p>
             <a:fld id="{8EA9E01C-C954-4BD3-9583-2C6EDEF177F2}" type="datetimeFigureOut">
               <a:rPr lang="zh-CN" altLang="en-US" smtClean="0"/>
-              <a:t>2018/12/31</a:t>
+              <a:t>2019/1/1</a:t>
             </a:fld>
             <a:endParaRPr lang="zh-CN" altLang="en-US"/>
           </a:p>
@@ -2565,7 +2564,7 @@
           <a:p>
             <a:fld id="{8EA9E01C-C954-4BD3-9583-2C6EDEF177F2}" type="datetimeFigureOut">
               <a:rPr lang="zh-CN" altLang="en-US" smtClean="0"/>
-              <a:t>2018/12/31</a:t>
+              <a:t>2019/1/1</a:t>
             </a:fld>
             <a:endParaRPr lang="zh-CN" altLang="en-US"/>
           </a:p>
@@ -2972,16 +2971,16 @@
       </p:grpSpPr>
       <p:grpSp>
         <p:nvGrpSpPr>
-          <p:cNvPr id="70" name="组合 69"/>
+          <p:cNvPr id="42" name="组合 41"/>
           <p:cNvGrpSpPr/>
           <p:nvPr/>
         </p:nvGrpSpPr>
         <p:grpSpPr>
           <a:xfrm>
-            <a:off x="3418534" y="388087"/>
-            <a:ext cx="5886803" cy="4605525"/>
+            <a:off x="3303875" y="378562"/>
+            <a:ext cx="5886804" cy="4631785"/>
             <a:chOff x="3418534" y="388087"/>
-            <a:chExt cx="5886803" cy="4605525"/>
+            <a:chExt cx="5886804" cy="4631785"/>
           </a:xfrm>
         </p:grpSpPr>
         <p:cxnSp>
@@ -3003,12 +3002,12 @@
             </a:solidFill>
             <a:ln w="101600" cap="flat" cmpd="sng" algn="ctr">
               <a:solidFill>
-                <a:srgbClr val="7BB137"/>
+                <a:srgbClr val="0077E6"/>
               </a:solidFill>
               <a:prstDash val="solid"/>
               <a:round/>
               <a:headEnd type="oval" w="med" len="med"/>
-              <a:tailEnd type="oval"/>
+              <a:tailEnd type="none"/>
             </a:ln>
             <a:effectLst/>
           </p:spPr>
@@ -3032,12 +3031,12 @@
             </a:solidFill>
             <a:ln w="101600" cap="flat" cmpd="sng" algn="ctr">
               <a:solidFill>
-                <a:srgbClr val="7BB137"/>
+                <a:srgbClr val="0077E6"/>
               </a:solidFill>
               <a:prstDash val="solid"/>
               <a:round/>
-              <a:headEnd type="oval" w="med" len="med"/>
-              <a:tailEnd type="oval"/>
+              <a:headEnd type="none" w="med" len="med"/>
+              <a:tailEnd type="none"/>
             </a:ln>
             <a:effectLst/>
           </p:spPr>
@@ -3061,12 +3060,12 @@
             </a:solidFill>
             <a:ln w="101600" cap="flat" cmpd="sng" algn="ctr">
               <a:solidFill>
-                <a:srgbClr val="7BB137"/>
+                <a:srgbClr val="0077E6"/>
               </a:solidFill>
               <a:prstDash val="solid"/>
               <a:round/>
               <a:headEnd type="oval" w="med" len="med"/>
-              <a:tailEnd type="oval"/>
+              <a:tailEnd type="none"/>
             </a:ln>
             <a:effectLst/>
           </p:spPr>
@@ -3090,12 +3089,12 @@
             </a:solidFill>
             <a:ln w="101600" cap="flat" cmpd="sng" algn="ctr">
               <a:solidFill>
-                <a:srgbClr val="7BB137"/>
+                <a:srgbClr val="0077E6"/>
               </a:solidFill>
               <a:prstDash val="solid"/>
               <a:round/>
               <a:headEnd type="oval" w="med" len="med"/>
-              <a:tailEnd type="oval"/>
+              <a:tailEnd type="none"/>
             </a:ln>
             <a:effectLst/>
           </p:spPr>
@@ -3107,9 +3106,9 @@
             <p:nvPr/>
           </p:nvCxnSpPr>
           <p:spPr bwMode="auto">
-            <a:xfrm flipH="1">
+            <a:xfrm flipV="1">
               <a:off x="5649902" y="3636285"/>
-              <a:ext cx="1122760" cy="313885"/>
+              <a:ext cx="1122760" cy="328069"/>
             </a:xfrm>
             <a:prstGeom prst="line">
               <a:avLst/>
@@ -3119,12 +3118,12 @@
             </a:solidFill>
             <a:ln w="101600" cap="flat" cmpd="sng" algn="ctr">
               <a:solidFill>
-                <a:srgbClr val="7BB137"/>
+                <a:srgbClr val="0077E6"/>
               </a:solidFill>
               <a:prstDash val="solid"/>
               <a:round/>
               <a:headEnd type="oval" w="med" len="med"/>
-              <a:tailEnd type="oval"/>
+              <a:tailEnd type="none"/>
             </a:ln>
             <a:effectLst/>
           </p:spPr>
@@ -3148,12 +3147,12 @@
             </a:solidFill>
             <a:ln w="101600" cap="flat" cmpd="sng" algn="ctr">
               <a:solidFill>
-                <a:srgbClr val="7BB137"/>
+                <a:srgbClr val="0077E6"/>
               </a:solidFill>
               <a:prstDash val="solid"/>
               <a:round/>
               <a:headEnd type="oval" w="med" len="med"/>
-              <a:tailEnd type="oval"/>
+              <a:tailEnd type="none"/>
             </a:ln>
             <a:effectLst/>
           </p:spPr>
@@ -3177,12 +3176,12 @@
             </a:solidFill>
             <a:ln w="101600" cap="flat" cmpd="sng" algn="ctr">
               <a:solidFill>
-                <a:srgbClr val="7BB137"/>
+                <a:srgbClr val="0077E6"/>
               </a:solidFill>
               <a:prstDash val="solid"/>
               <a:round/>
               <a:headEnd type="oval" w="med" len="med"/>
-              <a:tailEnd type="oval"/>
+              <a:tailEnd type="none"/>
             </a:ln>
             <a:effectLst/>
           </p:spPr>
@@ -3195,8 +3194,8 @@
           </p:nvCxnSpPr>
           <p:spPr bwMode="auto">
             <a:xfrm flipH="1" flipV="1">
-              <a:off x="3430928" y="1741506"/>
-              <a:ext cx="173382" cy="1228727"/>
+              <a:off x="3418534" y="1726625"/>
+              <a:ext cx="185776" cy="1243609"/>
             </a:xfrm>
             <a:prstGeom prst="line">
               <a:avLst/>
@@ -3206,12 +3205,12 @@
             </a:solidFill>
             <a:ln w="101600" cap="flat" cmpd="sng" algn="ctr">
               <a:solidFill>
-                <a:srgbClr val="7BB137"/>
+                <a:srgbClr val="0077E6"/>
               </a:solidFill>
               <a:prstDash val="solid"/>
               <a:round/>
               <a:headEnd type="oval" w="med" len="med"/>
-              <a:tailEnd type="oval"/>
+              <a:tailEnd type="none"/>
             </a:ln>
             <a:effectLst/>
           </p:spPr>
@@ -3224,8 +3223,8 @@
           </p:nvCxnSpPr>
           <p:spPr bwMode="auto">
             <a:xfrm>
-              <a:off x="6340614" y="391755"/>
-              <a:ext cx="1510316" cy="4601857"/>
+              <a:off x="6353010" y="388087"/>
+              <a:ext cx="1535035" cy="4631785"/>
             </a:xfrm>
             <a:prstGeom prst="line">
               <a:avLst/>
@@ -3235,11 +3234,11 @@
             </a:solidFill>
             <a:ln w="101600" cap="flat" cmpd="sng" algn="ctr">
               <a:solidFill>
-                <a:srgbClr val="7BB137"/>
+                <a:srgbClr val="0077E6"/>
               </a:solidFill>
               <a:prstDash val="solid"/>
               <a:round/>
-              <a:headEnd type="oval" w="med" len="med"/>
+              <a:headEnd type="none" w="med" len="med"/>
               <a:tailEnd type="oval"/>
             </a:ln>
             <a:effectLst/>
@@ -3264,12 +3263,12 @@
             </a:solidFill>
             <a:ln w="101600" cap="flat" cmpd="sng" algn="ctr">
               <a:solidFill>
-                <a:srgbClr val="7BB137"/>
+                <a:srgbClr val="0077E6"/>
               </a:solidFill>
               <a:prstDash val="solid"/>
               <a:round/>
               <a:headEnd type="oval" w="med" len="med"/>
-              <a:tailEnd type="oval"/>
+              <a:tailEnd type="none"/>
             </a:ln>
             <a:effectLst/>
           </p:spPr>
@@ -3293,12 +3292,12 @@
             </a:solidFill>
             <a:ln w="101600" cap="flat" cmpd="sng" algn="ctr">
               <a:solidFill>
-                <a:srgbClr val="7BB137"/>
+                <a:srgbClr val="0077E6"/>
               </a:solidFill>
               <a:prstDash val="solid"/>
               <a:round/>
               <a:headEnd type="oval" w="med" len="med"/>
-              <a:tailEnd type="oval"/>
+              <a:tailEnd type="none"/>
             </a:ln>
             <a:effectLst/>
           </p:spPr>
@@ -3312,7 +3311,7 @@
           <p:spPr bwMode="auto">
             <a:xfrm>
               <a:off x="6772662" y="3636285"/>
-              <a:ext cx="517261" cy="815981"/>
+              <a:ext cx="541025" cy="815981"/>
             </a:xfrm>
             <a:prstGeom prst="line">
               <a:avLst/>
@@ -3322,12 +3321,12 @@
             </a:solidFill>
             <a:ln w="101600" cap="flat" cmpd="sng" algn="ctr">
               <a:solidFill>
-                <a:srgbClr val="7BB137"/>
+                <a:srgbClr val="0077E6"/>
               </a:solidFill>
               <a:prstDash val="solid"/>
               <a:round/>
               <a:headEnd type="oval" w="med" len="med"/>
-              <a:tailEnd type="oval"/>
+              <a:tailEnd type="none"/>
             </a:ln>
             <a:effectLst/>
           </p:spPr>
@@ -3340,8 +3339,8 @@
           </p:nvCxnSpPr>
           <p:spPr bwMode="auto">
             <a:xfrm flipV="1">
-              <a:off x="6747047" y="2503239"/>
-              <a:ext cx="2545895" cy="1156969"/>
+              <a:off x="6772662" y="2516237"/>
+              <a:ext cx="2532674" cy="1120049"/>
             </a:xfrm>
             <a:prstGeom prst="line">
               <a:avLst/>
@@ -3351,12 +3350,12 @@
             </a:solidFill>
             <a:ln w="101600" cap="flat" cmpd="sng" algn="ctr">
               <a:solidFill>
-                <a:srgbClr val="7BB137"/>
+                <a:srgbClr val="0077E6"/>
               </a:solidFill>
               <a:prstDash val="solid"/>
               <a:round/>
               <a:headEnd type="oval" w="med" len="med"/>
-              <a:tailEnd type="oval"/>
+              <a:tailEnd type="none"/>
             </a:ln>
             <a:effectLst/>
           </p:spPr>
@@ -3380,12 +3379,12 @@
             </a:solidFill>
             <a:ln w="101600" cap="flat" cmpd="sng" algn="ctr">
               <a:solidFill>
-                <a:srgbClr val="7BB137"/>
+                <a:srgbClr val="0077E6"/>
               </a:solidFill>
               <a:prstDash val="solid"/>
               <a:round/>
-              <a:headEnd type="oval" w="med" len="med"/>
-              <a:tailEnd type="oval"/>
+              <a:headEnd type="none" w="med" len="med"/>
+              <a:tailEnd type="none"/>
             </a:ln>
             <a:effectLst/>
           </p:spPr>
@@ -3409,12 +3408,12 @@
             </a:solidFill>
             <a:ln w="101600" cap="flat" cmpd="sng" algn="ctr">
               <a:solidFill>
-                <a:srgbClr val="7BB137"/>
+                <a:srgbClr val="0077E6"/>
               </a:solidFill>
               <a:prstDash val="solid"/>
               <a:round/>
               <a:headEnd type="oval" w="med" len="med"/>
-              <a:tailEnd type="oval"/>
+              <a:tailEnd type="none"/>
             </a:ln>
             <a:effectLst/>
           </p:spPr>
@@ -3428,7 +3427,7 @@
           <p:spPr bwMode="auto">
             <a:xfrm>
               <a:off x="7315538" y="4452266"/>
-              <a:ext cx="522998" cy="541346"/>
+              <a:ext cx="572322" cy="567606"/>
             </a:xfrm>
             <a:prstGeom prst="line">
               <a:avLst/>
@@ -3438,12 +3437,12 @@
             </a:solidFill>
             <a:ln w="101600" cap="flat" cmpd="sng" algn="ctr">
               <a:solidFill>
-                <a:srgbClr val="7BB137"/>
+                <a:srgbClr val="0077E6"/>
               </a:solidFill>
               <a:prstDash val="solid"/>
               <a:round/>
               <a:headEnd type="oval" w="med" len="med"/>
-              <a:tailEnd type="oval"/>
+              <a:tailEnd type="none"/>
             </a:ln>
             <a:effectLst/>
           </p:spPr>
@@ -3457,7 +3456,7 @@
           <p:spPr bwMode="auto">
             <a:xfrm>
               <a:off x="4656020" y="3299911"/>
-              <a:ext cx="993882" cy="648327"/>
+              <a:ext cx="1007415" cy="672063"/>
             </a:xfrm>
             <a:prstGeom prst="line">
               <a:avLst/>
@@ -3467,12 +3466,12 @@
             </a:solidFill>
             <a:ln w="101600" cap="flat" cmpd="sng" algn="ctr">
               <a:solidFill>
-                <a:srgbClr val="7BB137"/>
+                <a:srgbClr val="0077E6"/>
               </a:solidFill>
               <a:prstDash val="solid"/>
               <a:round/>
               <a:headEnd type="oval" w="med" len="med"/>
-              <a:tailEnd type="oval"/>
+              <a:tailEnd type="none"/>
             </a:ln>
             <a:effectLst/>
           </p:spPr>
@@ -3485,8 +3484,8 @@
           </p:nvCxnSpPr>
           <p:spPr bwMode="auto">
             <a:xfrm>
-              <a:off x="3619019" y="2963537"/>
-              <a:ext cx="1037001" cy="336374"/>
+              <a:off x="3577752" y="2961769"/>
+              <a:ext cx="1076417" cy="338142"/>
             </a:xfrm>
             <a:prstGeom prst="line">
               <a:avLst/>
@@ -3496,12 +3495,12 @@
             </a:solidFill>
             <a:ln w="101600" cap="flat" cmpd="sng" algn="ctr">
               <a:solidFill>
-                <a:srgbClr val="7BB137"/>
+                <a:srgbClr val="0077E6"/>
               </a:solidFill>
               <a:prstDash val="solid"/>
               <a:round/>
-              <a:headEnd type="oval" w="med" len="med"/>
-              <a:tailEnd type="oval"/>
+              <a:headEnd type="none" w="med" len="med"/>
+              <a:tailEnd type="none"/>
             </a:ln>
             <a:effectLst/>
           </p:spPr>
@@ -3514,8 +3513,8 @@
           </p:nvCxnSpPr>
           <p:spPr bwMode="auto">
             <a:xfrm flipV="1">
-              <a:off x="3628656" y="993583"/>
-              <a:ext cx="611332" cy="1935002"/>
+              <a:off x="3601111" y="1000175"/>
+              <a:ext cx="651268" cy="1961594"/>
             </a:xfrm>
             <a:prstGeom prst="line">
               <a:avLst/>
@@ -3525,12 +3524,12 @@
             </a:solidFill>
             <a:ln w="101600" cap="flat" cmpd="sng" algn="ctr">
               <a:solidFill>
-                <a:srgbClr val="7BB137"/>
+                <a:srgbClr val="0077E6"/>
               </a:solidFill>
               <a:prstDash val="solid"/>
               <a:round/>
-              <a:headEnd type="oval" w="med" len="med"/>
-              <a:tailEnd type="oval"/>
+              <a:headEnd type="none" w="med" len="med"/>
+              <a:tailEnd type="none"/>
             </a:ln>
             <a:effectLst/>
           </p:spPr>
@@ -3543,8 +3542,8 @@
           </p:nvCxnSpPr>
           <p:spPr bwMode="auto">
             <a:xfrm flipH="1" flipV="1">
-              <a:off x="6400229" y="388088"/>
-              <a:ext cx="2905108" cy="2115055"/>
+              <a:off x="6338762" y="391754"/>
+              <a:ext cx="2966576" cy="2124484"/>
             </a:xfrm>
             <a:prstGeom prst="line">
               <a:avLst/>
@@ -3554,12 +3553,12 @@
             </a:solidFill>
             <a:ln w="101600" cap="flat" cmpd="sng" algn="ctr">
               <a:solidFill>
-                <a:srgbClr val="7BB137"/>
+                <a:srgbClr val="0077E6"/>
               </a:solidFill>
               <a:prstDash val="solid"/>
               <a:round/>
               <a:headEnd type="oval" w="med" len="med"/>
-              <a:tailEnd type="oval"/>
+              <a:tailEnd type="none"/>
             </a:ln>
             <a:effectLst/>
           </p:spPr>
@@ -3572,8 +3571,8 @@
           </p:nvCxnSpPr>
           <p:spPr bwMode="auto">
             <a:xfrm flipH="1" flipV="1">
-              <a:off x="7924793" y="618965"/>
-              <a:ext cx="979619" cy="865936"/>
+              <a:off x="7923003" y="637800"/>
+              <a:ext cx="981410" cy="847102"/>
             </a:xfrm>
             <a:prstGeom prst="line">
               <a:avLst/>
@@ -3583,12 +3582,12 @@
             </a:solidFill>
             <a:ln w="101600" cap="flat" cmpd="sng" algn="ctr">
               <a:solidFill>
-                <a:srgbClr val="7BB137"/>
+                <a:srgbClr val="0077E6"/>
               </a:solidFill>
               <a:prstDash val="solid"/>
               <a:round/>
               <a:headEnd type="oval" w="med" len="med"/>
-              <a:tailEnd type="oval"/>
+              <a:tailEnd type="none"/>
             </a:ln>
             <a:effectLst/>
           </p:spPr>
@@ -3612,12 +3611,12 @@
             </a:solidFill>
             <a:ln w="101600" cap="flat" cmpd="sng" algn="ctr">
               <a:solidFill>
-                <a:srgbClr val="7BB137"/>
+                <a:srgbClr val="0077E6"/>
               </a:solidFill>
               <a:prstDash val="solid"/>
               <a:round/>
-              <a:headEnd type="oval" w="med" len="med"/>
-              <a:tailEnd type="oval"/>
+              <a:headEnd type="none" w="med" len="med"/>
+              <a:tailEnd type="none"/>
             </a:ln>
             <a:effectLst/>
           </p:spPr>
@@ -3630,8 +3629,8 @@
           </p:nvCxnSpPr>
           <p:spPr bwMode="auto">
             <a:xfrm flipV="1">
-              <a:off x="8860894" y="2503141"/>
-              <a:ext cx="432048" cy="713476"/>
+              <a:off x="8860894" y="2529333"/>
+              <a:ext cx="444442" cy="687284"/>
             </a:xfrm>
             <a:prstGeom prst="line">
               <a:avLst/>
@@ -3641,12 +3640,12 @@
             </a:solidFill>
             <a:ln w="101600" cap="flat" cmpd="sng" algn="ctr">
               <a:solidFill>
-                <a:srgbClr val="7BB137"/>
+                <a:srgbClr val="0077E6"/>
               </a:solidFill>
               <a:prstDash val="solid"/>
               <a:round/>
-              <a:headEnd type="oval" w="med" len="med"/>
-              <a:tailEnd type="oval"/>
+              <a:headEnd type="none" w="med" len="med"/>
+              <a:tailEnd type="none"/>
             </a:ln>
             <a:effectLst/>
           </p:spPr>
@@ -3670,12 +3669,12 @@
             </a:solidFill>
             <a:ln w="101600" cap="flat" cmpd="sng" algn="ctr">
               <a:solidFill>
-                <a:srgbClr val="7BB137"/>
+                <a:srgbClr val="0077E6"/>
               </a:solidFill>
               <a:prstDash val="solid"/>
               <a:round/>
               <a:headEnd type="oval" w="med" len="med"/>
-              <a:tailEnd type="oval"/>
+              <a:tailEnd type="none"/>
             </a:ln>
             <a:effectLst/>
           </p:spPr>
@@ -3688,8 +3687,8 @@
           </p:nvCxnSpPr>
           <p:spPr bwMode="auto">
             <a:xfrm>
-              <a:off x="6384211" y="388087"/>
-              <a:ext cx="1549744" cy="230878"/>
+              <a:off x="6338763" y="396181"/>
+              <a:ext cx="1586027" cy="238595"/>
             </a:xfrm>
             <a:prstGeom prst="line">
               <a:avLst/>
@@ -3699,12 +3698,12 @@
             </a:solidFill>
             <a:ln w="101600" cap="flat" cmpd="sng" algn="ctr">
               <a:solidFill>
-                <a:srgbClr val="7BB137"/>
+                <a:srgbClr val="0077E6"/>
               </a:solidFill>
               <a:prstDash val="solid"/>
               <a:round/>
-              <a:headEnd type="oval" w="med" len="med"/>
-              <a:tailEnd type="oval"/>
+              <a:headEnd type="none" w="med" len="med"/>
+              <a:tailEnd type="none"/>
             </a:ln>
             <a:effectLst/>
           </p:spPr>
@@ -3718,8 +3717,8 @@
         </p:nvSpPr>
         <p:spPr>
           <a:xfrm>
-            <a:off x="2440040" y="5316596"/>
-            <a:ext cx="8233196" cy="938719"/>
+            <a:off x="2490485" y="5146422"/>
+            <a:ext cx="7513585" cy="861774"/>
           </a:xfrm>
           <a:prstGeom prst="rect">
             <a:avLst/>
@@ -3732,796 +3731,7 @@
           <a:lstStyle/>
           <a:p>
             <a:r>
-              <a:rPr lang="zh-CN" altLang="en-US" sz="5500" dirty="0">
-                <a:solidFill>
-                  <a:srgbClr val="7BB137"/>
-                </a:solidFill>
-                <a:latin typeface="Ubuntu Monospaced" panose="020B0509030602030204" pitchFamily="49" charset="0"/>
-              </a:rPr>
-              <a:t>java-knowledge-mind-map</a:t>
-            </a:r>
-          </a:p>
-        </p:txBody>
-      </p:sp>
-    </p:spTree>
-    <p:extLst>
-      <p:ext uri="{BB962C8B-B14F-4D97-AF65-F5344CB8AC3E}">
-        <p14:creationId xmlns:p14="http://schemas.microsoft.com/office/powerpoint/2010/main" val="3120895164"/>
-      </p:ext>
-    </p:extLst>
-  </p:cSld>
-  <p:clrMapOvr>
-    <a:masterClrMapping/>
-  </p:clrMapOvr>
-  <p:transition spd="med"/>
-</p:sld>
-</file>
-
-<file path=ppt/slides/slide2.xml><?xml version="1.0" encoding="utf-8"?>
-<p:sld xmlns:a="http://schemas.openxmlformats.org/drawingml/2006/main" xmlns:r="http://schemas.openxmlformats.org/officeDocument/2006/relationships" xmlns:p="http://schemas.openxmlformats.org/presentationml/2006/main">
-  <p:cSld>
-    <p:spTree>
-      <p:nvGrpSpPr>
-        <p:cNvPr id="1" name=""/>
-        <p:cNvGrpSpPr/>
-        <p:nvPr/>
-      </p:nvGrpSpPr>
-      <p:grpSpPr>
-        <a:xfrm>
-          <a:off x="0" y="0"/>
-          <a:ext cx="0" cy="0"/>
-          <a:chOff x="0" y="0"/>
-          <a:chExt cx="0" cy="0"/>
-        </a:xfrm>
-      </p:grpSpPr>
-      <p:cxnSp>
-        <p:nvCxnSpPr>
-          <p:cNvPr id="9" name="直接连接符 8"/>
-          <p:cNvCxnSpPr/>
-          <p:nvPr/>
-        </p:nvCxnSpPr>
-        <p:spPr bwMode="auto">
-          <a:xfrm flipH="1">
-            <a:off x="4252382" y="552321"/>
-            <a:ext cx="1008112" cy="447957"/>
-          </a:xfrm>
-          <a:prstGeom prst="line">
-            <a:avLst/>
-          </a:prstGeom>
-          <a:solidFill>
-            <a:srgbClr val="FFFFFF"/>
-          </a:solidFill>
-          <a:ln w="101600" cap="flat" cmpd="sng" algn="ctr">
-            <a:solidFill>
-              <a:srgbClr val="0077E6"/>
-            </a:solidFill>
-            <a:prstDash val="solid"/>
-            <a:round/>
-            <a:headEnd type="oval" w="med" len="med"/>
-            <a:tailEnd type="oval"/>
-          </a:ln>
-          <a:effectLst/>
-        </p:spPr>
-      </p:cxnSp>
-      <p:cxnSp>
-        <p:nvCxnSpPr>
-          <p:cNvPr id="14" name="直接连接符 13"/>
-          <p:cNvCxnSpPr/>
-          <p:nvPr/>
-        </p:nvCxnSpPr>
-        <p:spPr bwMode="auto">
-          <a:xfrm>
-            <a:off x="5274740" y="552321"/>
-            <a:ext cx="2563796" cy="2088232"/>
-          </a:xfrm>
-          <a:prstGeom prst="line">
-            <a:avLst/>
-          </a:prstGeom>
-          <a:solidFill>
-            <a:srgbClr val="FFFFFF"/>
-          </a:solidFill>
-          <a:ln w="101600" cap="flat" cmpd="sng" algn="ctr">
-            <a:solidFill>
-              <a:srgbClr val="0077E6"/>
-            </a:solidFill>
-            <a:prstDash val="solid"/>
-            <a:round/>
-            <a:headEnd type="oval" w="med" len="med"/>
-            <a:tailEnd type="oval"/>
-          </a:ln>
-          <a:effectLst/>
-        </p:spPr>
-      </p:cxnSp>
-      <p:cxnSp>
-        <p:nvCxnSpPr>
-          <p:cNvPr id="18" name="直接连接符 17"/>
-          <p:cNvCxnSpPr/>
-          <p:nvPr/>
-        </p:nvCxnSpPr>
-        <p:spPr bwMode="auto">
-          <a:xfrm flipH="1" flipV="1">
-            <a:off x="7850930" y="2640553"/>
-            <a:ext cx="1009964" cy="576064"/>
-          </a:xfrm>
-          <a:prstGeom prst="line">
-            <a:avLst/>
-          </a:prstGeom>
-          <a:solidFill>
-            <a:srgbClr val="FFFFFF"/>
-          </a:solidFill>
-          <a:ln w="101600" cap="flat" cmpd="sng" algn="ctr">
-            <a:solidFill>
-              <a:srgbClr val="0077E6"/>
-            </a:solidFill>
-            <a:prstDash val="solid"/>
-            <a:round/>
-            <a:headEnd type="oval" w="med" len="med"/>
-            <a:tailEnd type="oval"/>
-          </a:ln>
-          <a:effectLst/>
-        </p:spPr>
-      </p:cxnSp>
-      <p:cxnSp>
-        <p:nvCxnSpPr>
-          <p:cNvPr id="21" name="直接连接符 20"/>
-          <p:cNvCxnSpPr/>
-          <p:nvPr/>
-        </p:nvCxnSpPr>
-        <p:spPr bwMode="auto">
-          <a:xfrm>
-            <a:off x="4252382" y="1000278"/>
-            <a:ext cx="2520280" cy="2641092"/>
-          </a:xfrm>
-          <a:prstGeom prst="line">
-            <a:avLst/>
-          </a:prstGeom>
-          <a:solidFill>
-            <a:srgbClr val="FFFFFF"/>
-          </a:solidFill>
-          <a:ln w="101600" cap="flat" cmpd="sng" algn="ctr">
-            <a:solidFill>
-              <a:srgbClr val="0077E6"/>
-            </a:solidFill>
-            <a:prstDash val="solid"/>
-            <a:round/>
-            <a:headEnd type="oval" w="med" len="med"/>
-            <a:tailEnd type="oval"/>
-          </a:ln>
-          <a:effectLst/>
-        </p:spPr>
-      </p:cxnSp>
-      <p:cxnSp>
-        <p:nvCxnSpPr>
-          <p:cNvPr id="24" name="直接连接符 23"/>
-          <p:cNvCxnSpPr/>
-          <p:nvPr/>
-        </p:nvCxnSpPr>
-        <p:spPr bwMode="auto">
-          <a:xfrm flipH="1">
-            <a:off x="5649902" y="3636285"/>
-            <a:ext cx="1122760" cy="313885"/>
-          </a:xfrm>
-          <a:prstGeom prst="line">
-            <a:avLst/>
-          </a:prstGeom>
-          <a:solidFill>
-            <a:srgbClr val="FFFFFF"/>
-          </a:solidFill>
-          <a:ln w="101600" cap="flat" cmpd="sng" algn="ctr">
-            <a:solidFill>
-              <a:srgbClr val="0077E6"/>
-            </a:solidFill>
-            <a:prstDash val="solid"/>
-            <a:round/>
-            <a:headEnd type="oval" w="med" len="med"/>
-            <a:tailEnd type="oval"/>
-          </a:ln>
-          <a:effectLst/>
-        </p:spPr>
-      </p:cxnSp>
-      <p:cxnSp>
-        <p:nvCxnSpPr>
-          <p:cNvPr id="28" name="直接连接符 27"/>
-          <p:cNvCxnSpPr/>
-          <p:nvPr/>
-        </p:nvCxnSpPr>
-        <p:spPr bwMode="auto">
-          <a:xfrm flipH="1">
-            <a:off x="3604310" y="637801"/>
-            <a:ext cx="4320480" cy="2339126"/>
-          </a:xfrm>
-          <a:prstGeom prst="line">
-            <a:avLst/>
-          </a:prstGeom>
-          <a:solidFill>
-            <a:srgbClr val="FFFFFF"/>
-          </a:solidFill>
-          <a:ln w="101600" cap="flat" cmpd="sng" algn="ctr">
-            <a:solidFill>
-              <a:srgbClr val="0077E6"/>
-            </a:solidFill>
-            <a:prstDash val="solid"/>
-            <a:round/>
-            <a:headEnd type="oval" w="med" len="med"/>
-            <a:tailEnd type="oval"/>
-          </a:ln>
-          <a:effectLst/>
-        </p:spPr>
-      </p:cxnSp>
-      <p:cxnSp>
-        <p:nvCxnSpPr>
-          <p:cNvPr id="31" name="直接连接符 30"/>
-          <p:cNvCxnSpPr/>
-          <p:nvPr/>
-        </p:nvCxnSpPr>
-        <p:spPr bwMode="auto">
-          <a:xfrm flipH="1">
-            <a:off x="4656020" y="2640552"/>
-            <a:ext cx="3182516" cy="659359"/>
-          </a:xfrm>
-          <a:prstGeom prst="line">
-            <a:avLst/>
-          </a:prstGeom>
-          <a:solidFill>
-            <a:srgbClr val="FFFFFF"/>
-          </a:solidFill>
-          <a:ln w="101600" cap="flat" cmpd="sng" algn="ctr">
-            <a:solidFill>
-              <a:srgbClr val="0077E6"/>
-            </a:solidFill>
-            <a:prstDash val="solid"/>
-            <a:round/>
-            <a:headEnd type="oval" w="med" len="med"/>
-            <a:tailEnd type="oval"/>
-          </a:ln>
-          <a:effectLst/>
-        </p:spPr>
-      </p:cxnSp>
-      <p:cxnSp>
-        <p:nvCxnSpPr>
-          <p:cNvPr id="34" name="直接连接符 33"/>
-          <p:cNvCxnSpPr/>
-          <p:nvPr/>
-        </p:nvCxnSpPr>
-        <p:spPr bwMode="auto">
-          <a:xfrm flipH="1" flipV="1">
-            <a:off x="3430928" y="1741506"/>
-            <a:ext cx="173382" cy="1228727"/>
-          </a:xfrm>
-          <a:prstGeom prst="line">
-            <a:avLst/>
-          </a:prstGeom>
-          <a:solidFill>
-            <a:srgbClr val="FFFFFF"/>
-          </a:solidFill>
-          <a:ln w="101600" cap="flat" cmpd="sng" algn="ctr">
-            <a:solidFill>
-              <a:srgbClr val="0077E6"/>
-            </a:solidFill>
-            <a:prstDash val="solid"/>
-            <a:round/>
-            <a:headEnd type="oval" w="med" len="med"/>
-            <a:tailEnd type="oval"/>
-          </a:ln>
-          <a:effectLst/>
-        </p:spPr>
-      </p:cxnSp>
-      <p:cxnSp>
-        <p:nvCxnSpPr>
-          <p:cNvPr id="37" name="直接连接符 36"/>
-          <p:cNvCxnSpPr/>
-          <p:nvPr/>
-        </p:nvCxnSpPr>
-        <p:spPr bwMode="auto">
-          <a:xfrm>
-            <a:off x="6340614" y="391755"/>
-            <a:ext cx="1510316" cy="4601857"/>
-          </a:xfrm>
-          <a:prstGeom prst="line">
-            <a:avLst/>
-          </a:prstGeom>
-          <a:solidFill>
-            <a:srgbClr val="FFFFFF"/>
-          </a:solidFill>
-          <a:ln w="101600" cap="flat" cmpd="sng" algn="ctr">
-            <a:solidFill>
-              <a:srgbClr val="0077E6"/>
-            </a:solidFill>
-            <a:prstDash val="solid"/>
-            <a:round/>
-            <a:headEnd type="oval" w="med" len="med"/>
-            <a:tailEnd type="oval"/>
-          </a:ln>
-          <a:effectLst/>
-        </p:spPr>
-      </p:cxnSp>
-      <p:cxnSp>
-        <p:nvCxnSpPr>
-          <p:cNvPr id="40" name="直接连接符 39"/>
-          <p:cNvCxnSpPr/>
-          <p:nvPr/>
-        </p:nvCxnSpPr>
-        <p:spPr bwMode="auto">
-          <a:xfrm flipV="1">
-            <a:off x="3418534" y="1000175"/>
-            <a:ext cx="833848" cy="726450"/>
-          </a:xfrm>
-          <a:prstGeom prst="line">
-            <a:avLst/>
-          </a:prstGeom>
-          <a:solidFill>
-            <a:srgbClr val="FFFFFF"/>
-          </a:solidFill>
-          <a:ln w="101600" cap="flat" cmpd="sng" algn="ctr">
-            <a:solidFill>
-              <a:srgbClr val="0077E6"/>
-            </a:solidFill>
-            <a:prstDash val="solid"/>
-            <a:round/>
-            <a:headEnd type="oval" w="med" len="med"/>
-            <a:tailEnd type="oval"/>
-          </a:ln>
-          <a:effectLst/>
-        </p:spPr>
-      </p:cxnSp>
-      <p:cxnSp>
-        <p:nvCxnSpPr>
-          <p:cNvPr id="43" name="直接连接符 42"/>
-          <p:cNvCxnSpPr/>
-          <p:nvPr/>
-        </p:nvCxnSpPr>
-        <p:spPr bwMode="auto">
-          <a:xfrm flipH="1">
-            <a:off x="5260495" y="391755"/>
-            <a:ext cx="1080121" cy="160566"/>
-          </a:xfrm>
-          <a:prstGeom prst="line">
-            <a:avLst/>
-          </a:prstGeom>
-          <a:solidFill>
-            <a:srgbClr val="FFFFFF"/>
-          </a:solidFill>
-          <a:ln w="101600" cap="flat" cmpd="sng" algn="ctr">
-            <a:solidFill>
-              <a:srgbClr val="0077E6"/>
-            </a:solidFill>
-            <a:prstDash val="solid"/>
-            <a:round/>
-            <a:headEnd type="oval" w="med" len="med"/>
-            <a:tailEnd type="oval"/>
-          </a:ln>
-          <a:effectLst/>
-        </p:spPr>
-      </p:cxnSp>
-      <p:cxnSp>
-        <p:nvCxnSpPr>
-          <p:cNvPr id="46" name="直接连接符 45"/>
-          <p:cNvCxnSpPr/>
-          <p:nvPr/>
-        </p:nvCxnSpPr>
-        <p:spPr bwMode="auto">
-          <a:xfrm>
-            <a:off x="6772662" y="3636285"/>
-            <a:ext cx="517261" cy="815981"/>
-          </a:xfrm>
-          <a:prstGeom prst="line">
-            <a:avLst/>
-          </a:prstGeom>
-          <a:solidFill>
-            <a:srgbClr val="FFFFFF"/>
-          </a:solidFill>
-          <a:ln w="101600" cap="flat" cmpd="sng" algn="ctr">
-            <a:solidFill>
-              <a:srgbClr val="0077E6"/>
-            </a:solidFill>
-            <a:prstDash val="solid"/>
-            <a:round/>
-            <a:headEnd type="oval" w="med" len="med"/>
-            <a:tailEnd type="oval"/>
-          </a:ln>
-          <a:effectLst/>
-        </p:spPr>
-      </p:cxnSp>
-      <p:cxnSp>
-        <p:nvCxnSpPr>
-          <p:cNvPr id="49" name="直接连接符 48"/>
-          <p:cNvCxnSpPr/>
-          <p:nvPr/>
-        </p:nvCxnSpPr>
-        <p:spPr bwMode="auto">
-          <a:xfrm flipV="1">
-            <a:off x="6747047" y="2503239"/>
-            <a:ext cx="2545895" cy="1156969"/>
-          </a:xfrm>
-          <a:prstGeom prst="line">
-            <a:avLst/>
-          </a:prstGeom>
-          <a:solidFill>
-            <a:srgbClr val="FFFFFF"/>
-          </a:solidFill>
-          <a:ln w="101600" cap="flat" cmpd="sng" algn="ctr">
-            <a:solidFill>
-              <a:srgbClr val="0077E6"/>
-            </a:solidFill>
-            <a:prstDash val="solid"/>
-            <a:round/>
-            <a:headEnd type="oval" w="med" len="med"/>
-            <a:tailEnd type="oval"/>
-          </a:ln>
-          <a:effectLst/>
-        </p:spPr>
-      </p:cxnSp>
-      <p:cxnSp>
-        <p:nvCxnSpPr>
-          <p:cNvPr id="53" name="直接连接符 52"/>
-          <p:cNvCxnSpPr/>
-          <p:nvPr/>
-        </p:nvCxnSpPr>
-        <p:spPr bwMode="auto">
-          <a:xfrm flipV="1">
-            <a:off x="7850930" y="635872"/>
-            <a:ext cx="73860" cy="1991587"/>
-          </a:xfrm>
-          <a:prstGeom prst="line">
-            <a:avLst/>
-          </a:prstGeom>
-          <a:solidFill>
-            <a:srgbClr val="FFFFFF"/>
-          </a:solidFill>
-          <a:ln w="101600" cap="flat" cmpd="sng" algn="ctr">
-            <a:solidFill>
-              <a:srgbClr val="0077E6"/>
-            </a:solidFill>
-            <a:prstDash val="solid"/>
-            <a:round/>
-            <a:headEnd type="oval" w="med" len="med"/>
-            <a:tailEnd type="oval"/>
-          </a:ln>
-          <a:effectLst/>
-        </p:spPr>
-      </p:cxnSp>
-      <p:cxnSp>
-        <p:nvCxnSpPr>
-          <p:cNvPr id="62" name="直接连接符 61"/>
-          <p:cNvCxnSpPr/>
-          <p:nvPr/>
-        </p:nvCxnSpPr>
-        <p:spPr bwMode="auto">
-          <a:xfrm flipV="1">
-            <a:off x="7717397" y="3944045"/>
-            <a:ext cx="937564" cy="556115"/>
-          </a:xfrm>
-          <a:prstGeom prst="line">
-            <a:avLst/>
-          </a:prstGeom>
-          <a:solidFill>
-            <a:srgbClr val="FFFFFF"/>
-          </a:solidFill>
-          <a:ln w="101600" cap="flat" cmpd="sng" algn="ctr">
-            <a:solidFill>
-              <a:srgbClr val="0077E6"/>
-            </a:solidFill>
-            <a:prstDash val="solid"/>
-            <a:round/>
-            <a:headEnd type="oval" w="med" len="med"/>
-            <a:tailEnd type="oval"/>
-          </a:ln>
-          <a:effectLst/>
-        </p:spPr>
-      </p:cxnSp>
-      <p:cxnSp>
-        <p:nvCxnSpPr>
-          <p:cNvPr id="65" name="直接连接符 64"/>
-          <p:cNvCxnSpPr/>
-          <p:nvPr/>
-        </p:nvCxnSpPr>
-        <p:spPr bwMode="auto">
-          <a:xfrm>
-            <a:off x="7315538" y="4452266"/>
-            <a:ext cx="522998" cy="541346"/>
-          </a:xfrm>
-          <a:prstGeom prst="line">
-            <a:avLst/>
-          </a:prstGeom>
-          <a:solidFill>
-            <a:srgbClr val="FFFFFF"/>
-          </a:solidFill>
-          <a:ln w="101600" cap="flat" cmpd="sng" algn="ctr">
-            <a:solidFill>
-              <a:srgbClr val="0077E6"/>
-            </a:solidFill>
-            <a:prstDash val="solid"/>
-            <a:round/>
-            <a:headEnd type="oval" w="med" len="med"/>
-            <a:tailEnd type="oval"/>
-          </a:ln>
-          <a:effectLst/>
-        </p:spPr>
-      </p:cxnSp>
-      <p:cxnSp>
-        <p:nvCxnSpPr>
-          <p:cNvPr id="68" name="直接连接符 67"/>
-          <p:cNvCxnSpPr/>
-          <p:nvPr/>
-        </p:nvCxnSpPr>
-        <p:spPr bwMode="auto">
-          <a:xfrm>
-            <a:off x="4656020" y="3299911"/>
-            <a:ext cx="993882" cy="648327"/>
-          </a:xfrm>
-          <a:prstGeom prst="line">
-            <a:avLst/>
-          </a:prstGeom>
-          <a:solidFill>
-            <a:srgbClr val="FFFFFF"/>
-          </a:solidFill>
-          <a:ln w="101600" cap="flat" cmpd="sng" algn="ctr">
-            <a:solidFill>
-              <a:srgbClr val="0077E6"/>
-            </a:solidFill>
-            <a:prstDash val="solid"/>
-            <a:round/>
-            <a:headEnd type="oval" w="med" len="med"/>
-            <a:tailEnd type="oval"/>
-          </a:ln>
-          <a:effectLst/>
-        </p:spPr>
-      </p:cxnSp>
-      <p:cxnSp>
-        <p:nvCxnSpPr>
-          <p:cNvPr id="71" name="直接连接符 70"/>
-          <p:cNvCxnSpPr/>
-          <p:nvPr/>
-        </p:nvCxnSpPr>
-        <p:spPr bwMode="auto">
-          <a:xfrm>
-            <a:off x="3619019" y="2963537"/>
-            <a:ext cx="1037001" cy="336374"/>
-          </a:xfrm>
-          <a:prstGeom prst="line">
-            <a:avLst/>
-          </a:prstGeom>
-          <a:solidFill>
-            <a:srgbClr val="FFFFFF"/>
-          </a:solidFill>
-          <a:ln w="101600" cap="flat" cmpd="sng" algn="ctr">
-            <a:solidFill>
-              <a:srgbClr val="0077E6"/>
-            </a:solidFill>
-            <a:prstDash val="solid"/>
-            <a:round/>
-            <a:headEnd type="oval" w="med" len="med"/>
-            <a:tailEnd type="oval"/>
-          </a:ln>
-          <a:effectLst/>
-        </p:spPr>
-      </p:cxnSp>
-      <p:cxnSp>
-        <p:nvCxnSpPr>
-          <p:cNvPr id="74" name="直接连接符 73"/>
-          <p:cNvCxnSpPr/>
-          <p:nvPr/>
-        </p:nvCxnSpPr>
-        <p:spPr bwMode="auto">
-          <a:xfrm flipV="1">
-            <a:off x="3628656" y="993583"/>
-            <a:ext cx="611332" cy="1935002"/>
-          </a:xfrm>
-          <a:prstGeom prst="line">
-            <a:avLst/>
-          </a:prstGeom>
-          <a:solidFill>
-            <a:srgbClr val="FFFFFF"/>
-          </a:solidFill>
-          <a:ln w="101600" cap="flat" cmpd="sng" algn="ctr">
-            <a:solidFill>
-              <a:srgbClr val="0077E6"/>
-            </a:solidFill>
-            <a:prstDash val="solid"/>
-            <a:round/>
-            <a:headEnd type="oval" w="med" len="med"/>
-            <a:tailEnd type="oval"/>
-          </a:ln>
-          <a:effectLst/>
-        </p:spPr>
-      </p:cxnSp>
-      <p:cxnSp>
-        <p:nvCxnSpPr>
-          <p:cNvPr id="77" name="直接连接符 76"/>
-          <p:cNvCxnSpPr/>
-          <p:nvPr/>
-        </p:nvCxnSpPr>
-        <p:spPr bwMode="auto">
-          <a:xfrm flipH="1" flipV="1">
-            <a:off x="6400229" y="388088"/>
-            <a:ext cx="2905108" cy="2115055"/>
-          </a:xfrm>
-          <a:prstGeom prst="line">
-            <a:avLst/>
-          </a:prstGeom>
-          <a:solidFill>
-            <a:srgbClr val="FFFFFF"/>
-          </a:solidFill>
-          <a:ln w="101600" cap="flat" cmpd="sng" algn="ctr">
-            <a:solidFill>
-              <a:srgbClr val="0077E6"/>
-            </a:solidFill>
-            <a:prstDash val="solid"/>
-            <a:round/>
-            <a:headEnd type="oval" w="med" len="med"/>
-            <a:tailEnd type="oval"/>
-          </a:ln>
-          <a:effectLst/>
-        </p:spPr>
-      </p:cxnSp>
-      <p:cxnSp>
-        <p:nvCxnSpPr>
-          <p:cNvPr id="81" name="直接连接符 80"/>
-          <p:cNvCxnSpPr/>
-          <p:nvPr/>
-        </p:nvCxnSpPr>
-        <p:spPr bwMode="auto">
-          <a:xfrm flipH="1" flipV="1">
-            <a:off x="7924793" y="618965"/>
-            <a:ext cx="979619" cy="865936"/>
-          </a:xfrm>
-          <a:prstGeom prst="line">
-            <a:avLst/>
-          </a:prstGeom>
-          <a:solidFill>
-            <a:srgbClr val="FFFFFF"/>
-          </a:solidFill>
-          <a:ln w="101600" cap="flat" cmpd="sng" algn="ctr">
-            <a:solidFill>
-              <a:srgbClr val="0077E6"/>
-            </a:solidFill>
-            <a:prstDash val="solid"/>
-            <a:round/>
-            <a:headEnd type="oval" w="med" len="med"/>
-            <a:tailEnd type="oval"/>
-          </a:ln>
-          <a:effectLst/>
-        </p:spPr>
-      </p:cxnSp>
-      <p:cxnSp>
-        <p:nvCxnSpPr>
-          <p:cNvPr id="83" name="直接连接符 82"/>
-          <p:cNvCxnSpPr/>
-          <p:nvPr/>
-        </p:nvCxnSpPr>
-        <p:spPr bwMode="auto">
-          <a:xfrm flipH="1" flipV="1">
-            <a:off x="8904410" y="1497997"/>
-            <a:ext cx="400926" cy="1018240"/>
-          </a:xfrm>
-          <a:prstGeom prst="line">
-            <a:avLst/>
-          </a:prstGeom>
-          <a:solidFill>
-            <a:srgbClr val="FFFFFF"/>
-          </a:solidFill>
-          <a:ln w="101600" cap="flat" cmpd="sng" algn="ctr">
-            <a:solidFill>
-              <a:srgbClr val="0077E6"/>
-            </a:solidFill>
-            <a:prstDash val="solid"/>
-            <a:round/>
-            <a:headEnd type="oval" w="med" len="med"/>
-            <a:tailEnd type="oval"/>
-          </a:ln>
-          <a:effectLst/>
-        </p:spPr>
-      </p:cxnSp>
-      <p:cxnSp>
-        <p:nvCxnSpPr>
-          <p:cNvPr id="86" name="直接连接符 85"/>
-          <p:cNvCxnSpPr/>
-          <p:nvPr/>
-        </p:nvCxnSpPr>
-        <p:spPr bwMode="auto">
-          <a:xfrm flipV="1">
-            <a:off x="8860894" y="2503141"/>
-            <a:ext cx="432048" cy="713476"/>
-          </a:xfrm>
-          <a:prstGeom prst="line">
-            <a:avLst/>
-          </a:prstGeom>
-          <a:solidFill>
-            <a:srgbClr val="FFFFFF"/>
-          </a:solidFill>
-          <a:ln w="101600" cap="flat" cmpd="sng" algn="ctr">
-            <a:solidFill>
-              <a:srgbClr val="0077E6"/>
-            </a:solidFill>
-            <a:prstDash val="solid"/>
-            <a:round/>
-            <a:headEnd type="oval" w="med" len="med"/>
-            <a:tailEnd type="oval"/>
-          </a:ln>
-          <a:effectLst/>
-        </p:spPr>
-      </p:cxnSp>
-      <p:cxnSp>
-        <p:nvCxnSpPr>
-          <p:cNvPr id="89" name="直接连接符 88"/>
-          <p:cNvCxnSpPr/>
-          <p:nvPr/>
-        </p:nvCxnSpPr>
-        <p:spPr bwMode="auto">
-          <a:xfrm flipV="1">
-            <a:off x="8654961" y="3178792"/>
-            <a:ext cx="204082" cy="765253"/>
-          </a:xfrm>
-          <a:prstGeom prst="line">
-            <a:avLst/>
-          </a:prstGeom>
-          <a:solidFill>
-            <a:srgbClr val="FFFFFF"/>
-          </a:solidFill>
-          <a:ln w="101600" cap="flat" cmpd="sng" algn="ctr">
-            <a:solidFill>
-              <a:srgbClr val="0077E6"/>
-            </a:solidFill>
-            <a:prstDash val="solid"/>
-            <a:round/>
-            <a:headEnd type="oval" w="med" len="med"/>
-            <a:tailEnd type="oval"/>
-          </a:ln>
-          <a:effectLst/>
-        </p:spPr>
-      </p:cxnSp>
-      <p:cxnSp>
-        <p:nvCxnSpPr>
-          <p:cNvPr id="92" name="直接连接符 91"/>
-          <p:cNvCxnSpPr/>
-          <p:nvPr/>
-        </p:nvCxnSpPr>
-        <p:spPr bwMode="auto">
-          <a:xfrm>
-            <a:off x="6384211" y="388087"/>
-            <a:ext cx="1549744" cy="230878"/>
-          </a:xfrm>
-          <a:prstGeom prst="line">
-            <a:avLst/>
-          </a:prstGeom>
-          <a:solidFill>
-            <a:srgbClr val="FFFFFF"/>
-          </a:solidFill>
-          <a:ln w="101600" cap="flat" cmpd="sng" algn="ctr">
-            <a:solidFill>
-              <a:srgbClr val="0077E6"/>
-            </a:solidFill>
-            <a:prstDash val="solid"/>
-            <a:round/>
-            <a:headEnd type="oval" w="med" len="med"/>
-            <a:tailEnd type="oval"/>
-          </a:ln>
-          <a:effectLst/>
-        </p:spPr>
-      </p:cxnSp>
-      <p:sp>
-        <p:nvSpPr>
-          <p:cNvPr id="8" name="矩形 7"/>
-          <p:cNvSpPr/>
-          <p:nvPr/>
-        </p:nvSpPr>
-        <p:spPr>
-          <a:xfrm>
-            <a:off x="2440040" y="5316596"/>
-            <a:ext cx="8233196" cy="938719"/>
-          </a:xfrm>
-          <a:prstGeom prst="rect">
-            <a:avLst/>
-          </a:prstGeom>
-        </p:spPr>
-        <p:txBody>
-          <a:bodyPr wrap="square">
-            <a:spAutoFit/>
-          </a:bodyPr>
-          <a:lstStyle/>
-          <a:p>
-            <a:r>
-              <a:rPr lang="zh-CN" altLang="en-US" sz="5500" dirty="0">
+              <a:rPr lang="zh-CN" altLang="en-US" sz="5000" b="1" dirty="0">
                 <a:solidFill>
                   <a:srgbClr val="0077E6"/>
                 </a:solidFill>

--- a/logo/logo.pptx
+++ b/logo/logo.pptx
@@ -2,10 +2,11 @@
 <file path=ppt/presentation.xml><?xml version="1.0" encoding="utf-8"?>
 <p:presentation xmlns:a="http://schemas.openxmlformats.org/drawingml/2006/main" xmlns:r="http://schemas.openxmlformats.org/officeDocument/2006/relationships" xmlns:p="http://schemas.openxmlformats.org/presentationml/2006/main" saveSubsetFonts="1">
   <p:sldMasterIdLst>
-    <p:sldMasterId id="2147483648" r:id="rId1"/>
+    <p:sldMasterId id="2147483660" r:id="rId1"/>
   </p:sldMasterIdLst>
   <p:sldIdLst>
     <p:sldId id="257" r:id="rId2"/>
+    <p:sldId id="258" r:id="rId3"/>
   </p:sldIdLst>
   <p:sldSz cx="12192000" cy="6858000"/>
   <p:notesSz cx="6858000" cy="9144000"/>
@@ -131,7 +132,7 @@
       </p:grpSpPr>
       <p:sp>
         <p:nvSpPr>
-          <p:cNvPr id="2" name="标题 1"/>
+          <p:cNvPr id="2" name="Title 1"/>
           <p:cNvSpPr>
             <a:spLocks noGrp="1"/>
           </p:cNvSpPr>
@@ -157,13 +158,13 @@
               <a:rPr lang="zh-CN" altLang="en-US" smtClean="0"/>
               <a:t>单击此处编辑母版标题样式</a:t>
             </a:r>
-            <a:endParaRPr lang="zh-CN" altLang="en-US"/>
-          </a:p>
-        </p:txBody>
-      </p:sp>
-      <p:sp>
-        <p:nvSpPr>
-          <p:cNvPr id="3" name="副标题 2"/>
+            <a:endParaRPr lang="en-US" dirty="0"/>
+          </a:p>
+        </p:txBody>
+      </p:sp>
+      <p:sp>
+        <p:nvSpPr>
+          <p:cNvPr id="3" name="Subtitle 2"/>
           <p:cNvSpPr>
             <a:spLocks noGrp="1"/>
           </p:cNvSpPr>
@@ -222,13 +223,13 @@
               <a:rPr lang="zh-CN" altLang="en-US" smtClean="0"/>
               <a:t>单击此处编辑母版副标题样式</a:t>
             </a:r>
-            <a:endParaRPr lang="zh-CN" altLang="en-US"/>
-          </a:p>
-        </p:txBody>
-      </p:sp>
-      <p:sp>
-        <p:nvSpPr>
-          <p:cNvPr id="4" name="日期占位符 3"/>
+            <a:endParaRPr lang="en-US" dirty="0"/>
+          </a:p>
+        </p:txBody>
+      </p:sp>
+      <p:sp>
+        <p:nvSpPr>
+          <p:cNvPr id="4" name="Date Placeholder 3"/>
           <p:cNvSpPr>
             <a:spLocks noGrp="1"/>
           </p:cNvSpPr>
@@ -243,7 +244,7 @@
           <a:p>
             <a:fld id="{8EA9E01C-C954-4BD3-9583-2C6EDEF177F2}" type="datetimeFigureOut">
               <a:rPr lang="zh-CN" altLang="en-US" smtClean="0"/>
-              <a:t>2019/1/1</a:t>
+              <a:t>2019/9/26</a:t>
             </a:fld>
             <a:endParaRPr lang="zh-CN" altLang="en-US"/>
           </a:p>
@@ -251,7 +252,7 @@
       </p:sp>
       <p:sp>
         <p:nvSpPr>
-          <p:cNvPr id="5" name="页脚占位符 4"/>
+          <p:cNvPr id="5" name="Footer Placeholder 4"/>
           <p:cNvSpPr>
             <a:spLocks noGrp="1"/>
           </p:cNvSpPr>
@@ -270,7 +271,7 @@
       </p:sp>
       <p:sp>
         <p:nvSpPr>
-          <p:cNvPr id="6" name="灯片编号占位符 5"/>
+          <p:cNvPr id="6" name="Slide Number Placeholder 5"/>
           <p:cNvSpPr>
             <a:spLocks noGrp="1"/>
           </p:cNvSpPr>
@@ -294,7 +295,7 @@
     </p:spTree>
     <p:extLst>
       <p:ext uri="{BB962C8B-B14F-4D97-AF65-F5344CB8AC3E}">
-        <p14:creationId xmlns:p14="http://schemas.microsoft.com/office/powerpoint/2010/main" val="2013884417"/>
+        <p14:creationId xmlns:p14="http://schemas.microsoft.com/office/powerpoint/2010/main" val="3246142886"/>
       </p:ext>
     </p:extLst>
   </p:cSld>
@@ -323,7 +324,7 @@
       </p:grpSpPr>
       <p:sp>
         <p:nvSpPr>
-          <p:cNvPr id="2" name="标题 1"/>
+          <p:cNvPr id="2" name="Title 1"/>
           <p:cNvSpPr>
             <a:spLocks noGrp="1"/>
           </p:cNvSpPr>
@@ -340,13 +341,13 @@
               <a:rPr lang="zh-CN" altLang="en-US" smtClean="0"/>
               <a:t>单击此处编辑母版标题样式</a:t>
             </a:r>
-            <a:endParaRPr lang="zh-CN" altLang="en-US"/>
-          </a:p>
-        </p:txBody>
-      </p:sp>
-      <p:sp>
-        <p:nvSpPr>
-          <p:cNvPr id="3" name="竖排文字占位符 2"/>
+            <a:endParaRPr lang="en-US" dirty="0"/>
+          </a:p>
+        </p:txBody>
+      </p:sp>
+      <p:sp>
+        <p:nvSpPr>
+          <p:cNvPr id="3" name="Vertical Text Placeholder 2"/>
           <p:cNvSpPr>
             <a:spLocks noGrp="1"/>
           </p:cNvSpPr>
@@ -392,13 +393,13 @@
               <a:rPr lang="zh-CN" altLang="en-US" smtClean="0"/>
               <a:t>第五级</a:t>
             </a:r>
-            <a:endParaRPr lang="zh-CN" altLang="en-US"/>
-          </a:p>
-        </p:txBody>
-      </p:sp>
-      <p:sp>
-        <p:nvSpPr>
-          <p:cNvPr id="4" name="日期占位符 3"/>
+            <a:endParaRPr lang="en-US" dirty="0"/>
+          </a:p>
+        </p:txBody>
+      </p:sp>
+      <p:sp>
+        <p:nvSpPr>
+          <p:cNvPr id="4" name="Date Placeholder 3"/>
           <p:cNvSpPr>
             <a:spLocks noGrp="1"/>
           </p:cNvSpPr>
@@ -413,7 +414,7 @@
           <a:p>
             <a:fld id="{8EA9E01C-C954-4BD3-9583-2C6EDEF177F2}" type="datetimeFigureOut">
               <a:rPr lang="zh-CN" altLang="en-US" smtClean="0"/>
-              <a:t>2019/1/1</a:t>
+              <a:t>2019/9/26</a:t>
             </a:fld>
             <a:endParaRPr lang="zh-CN" altLang="en-US"/>
           </a:p>
@@ -421,7 +422,7 @@
       </p:sp>
       <p:sp>
         <p:nvSpPr>
-          <p:cNvPr id="5" name="页脚占位符 4"/>
+          <p:cNvPr id="5" name="Footer Placeholder 4"/>
           <p:cNvSpPr>
             <a:spLocks noGrp="1"/>
           </p:cNvSpPr>
@@ -440,7 +441,7 @@
       </p:sp>
       <p:sp>
         <p:nvSpPr>
-          <p:cNvPr id="6" name="灯片编号占位符 5"/>
+          <p:cNvPr id="6" name="Slide Number Placeholder 5"/>
           <p:cNvSpPr>
             <a:spLocks noGrp="1"/>
           </p:cNvSpPr>
@@ -464,7 +465,7 @@
     </p:spTree>
     <p:extLst>
       <p:ext uri="{BB962C8B-B14F-4D97-AF65-F5344CB8AC3E}">
-        <p14:creationId xmlns:p14="http://schemas.microsoft.com/office/powerpoint/2010/main" val="111632233"/>
+        <p14:creationId xmlns:p14="http://schemas.microsoft.com/office/powerpoint/2010/main" val="3631467340"/>
       </p:ext>
     </p:extLst>
   </p:cSld>
@@ -493,7 +494,7 @@
       </p:grpSpPr>
       <p:sp>
         <p:nvSpPr>
-          <p:cNvPr id="2" name="竖排标题 1"/>
+          <p:cNvPr id="2" name="Vertical Title 1"/>
           <p:cNvSpPr>
             <a:spLocks noGrp="1"/>
           </p:cNvSpPr>
@@ -515,13 +516,13 @@
               <a:rPr lang="zh-CN" altLang="en-US" smtClean="0"/>
               <a:t>单击此处编辑母版标题样式</a:t>
             </a:r>
-            <a:endParaRPr lang="zh-CN" altLang="en-US"/>
-          </a:p>
-        </p:txBody>
-      </p:sp>
-      <p:sp>
-        <p:nvSpPr>
-          <p:cNvPr id="3" name="竖排文字占位符 2"/>
+            <a:endParaRPr lang="en-US" dirty="0"/>
+          </a:p>
+        </p:txBody>
+      </p:sp>
+      <p:sp>
+        <p:nvSpPr>
+          <p:cNvPr id="3" name="Vertical Text Placeholder 2"/>
           <p:cNvSpPr>
             <a:spLocks noGrp="1"/>
           </p:cNvSpPr>
@@ -572,13 +573,13 @@
               <a:rPr lang="zh-CN" altLang="en-US" smtClean="0"/>
               <a:t>第五级</a:t>
             </a:r>
-            <a:endParaRPr lang="zh-CN" altLang="en-US"/>
-          </a:p>
-        </p:txBody>
-      </p:sp>
-      <p:sp>
-        <p:nvSpPr>
-          <p:cNvPr id="4" name="日期占位符 3"/>
+            <a:endParaRPr lang="en-US" dirty="0"/>
+          </a:p>
+        </p:txBody>
+      </p:sp>
+      <p:sp>
+        <p:nvSpPr>
+          <p:cNvPr id="4" name="Date Placeholder 3"/>
           <p:cNvSpPr>
             <a:spLocks noGrp="1"/>
           </p:cNvSpPr>
@@ -593,7 +594,7 @@
           <a:p>
             <a:fld id="{8EA9E01C-C954-4BD3-9583-2C6EDEF177F2}" type="datetimeFigureOut">
               <a:rPr lang="zh-CN" altLang="en-US" smtClean="0"/>
-              <a:t>2019/1/1</a:t>
+              <a:t>2019/9/26</a:t>
             </a:fld>
             <a:endParaRPr lang="zh-CN" altLang="en-US"/>
           </a:p>
@@ -601,7 +602,7 @@
       </p:sp>
       <p:sp>
         <p:nvSpPr>
-          <p:cNvPr id="5" name="页脚占位符 4"/>
+          <p:cNvPr id="5" name="Footer Placeholder 4"/>
           <p:cNvSpPr>
             <a:spLocks noGrp="1"/>
           </p:cNvSpPr>
@@ -620,7 +621,7 @@
       </p:sp>
       <p:sp>
         <p:nvSpPr>
-          <p:cNvPr id="6" name="灯片编号占位符 5"/>
+          <p:cNvPr id="6" name="Slide Number Placeholder 5"/>
           <p:cNvSpPr>
             <a:spLocks noGrp="1"/>
           </p:cNvSpPr>
@@ -644,7 +645,7 @@
     </p:spTree>
     <p:extLst>
       <p:ext uri="{BB962C8B-B14F-4D97-AF65-F5344CB8AC3E}">
-        <p14:creationId xmlns:p14="http://schemas.microsoft.com/office/powerpoint/2010/main" val="4251259058"/>
+        <p14:creationId xmlns:p14="http://schemas.microsoft.com/office/powerpoint/2010/main" val="68080979"/>
       </p:ext>
     </p:extLst>
   </p:cSld>
@@ -673,7 +674,7 @@
       </p:grpSpPr>
       <p:sp>
         <p:nvSpPr>
-          <p:cNvPr id="2" name="标题 1"/>
+          <p:cNvPr id="2" name="Title 1"/>
           <p:cNvSpPr>
             <a:spLocks noGrp="1"/>
           </p:cNvSpPr>
@@ -690,13 +691,13 @@
               <a:rPr lang="zh-CN" altLang="en-US" smtClean="0"/>
               <a:t>单击此处编辑母版标题样式</a:t>
             </a:r>
-            <a:endParaRPr lang="zh-CN" altLang="en-US"/>
-          </a:p>
-        </p:txBody>
-      </p:sp>
-      <p:sp>
-        <p:nvSpPr>
-          <p:cNvPr id="3" name="内容占位符 2"/>
+            <a:endParaRPr lang="en-US" dirty="0"/>
+          </a:p>
+        </p:txBody>
+      </p:sp>
+      <p:sp>
+        <p:nvSpPr>
+          <p:cNvPr id="3" name="Content Placeholder 2"/>
           <p:cNvSpPr>
             <a:spLocks noGrp="1"/>
           </p:cNvSpPr>
@@ -742,13 +743,13 @@
               <a:rPr lang="zh-CN" altLang="en-US" smtClean="0"/>
               <a:t>第五级</a:t>
             </a:r>
-            <a:endParaRPr lang="zh-CN" altLang="en-US"/>
-          </a:p>
-        </p:txBody>
-      </p:sp>
-      <p:sp>
-        <p:nvSpPr>
-          <p:cNvPr id="4" name="日期占位符 3"/>
+            <a:endParaRPr lang="en-US" dirty="0"/>
+          </a:p>
+        </p:txBody>
+      </p:sp>
+      <p:sp>
+        <p:nvSpPr>
+          <p:cNvPr id="4" name="Date Placeholder 3"/>
           <p:cNvSpPr>
             <a:spLocks noGrp="1"/>
           </p:cNvSpPr>
@@ -763,7 +764,7 @@
           <a:p>
             <a:fld id="{8EA9E01C-C954-4BD3-9583-2C6EDEF177F2}" type="datetimeFigureOut">
               <a:rPr lang="zh-CN" altLang="en-US" smtClean="0"/>
-              <a:t>2019/1/1</a:t>
+              <a:t>2019/9/26</a:t>
             </a:fld>
             <a:endParaRPr lang="zh-CN" altLang="en-US"/>
           </a:p>
@@ -771,7 +772,7 @@
       </p:sp>
       <p:sp>
         <p:nvSpPr>
-          <p:cNvPr id="5" name="页脚占位符 4"/>
+          <p:cNvPr id="5" name="Footer Placeholder 4"/>
           <p:cNvSpPr>
             <a:spLocks noGrp="1"/>
           </p:cNvSpPr>
@@ -790,7 +791,7 @@
       </p:sp>
       <p:sp>
         <p:nvSpPr>
-          <p:cNvPr id="6" name="灯片编号占位符 5"/>
+          <p:cNvPr id="6" name="Slide Number Placeholder 5"/>
           <p:cNvSpPr>
             <a:spLocks noGrp="1"/>
           </p:cNvSpPr>
@@ -814,7 +815,7 @@
     </p:spTree>
     <p:extLst>
       <p:ext uri="{BB962C8B-B14F-4D97-AF65-F5344CB8AC3E}">
-        <p14:creationId xmlns:p14="http://schemas.microsoft.com/office/powerpoint/2010/main" val="4047456175"/>
+        <p14:creationId xmlns:p14="http://schemas.microsoft.com/office/powerpoint/2010/main" val="3518156872"/>
       </p:ext>
     </p:extLst>
   </p:cSld>
@@ -843,7 +844,7 @@
       </p:grpSpPr>
       <p:sp>
         <p:nvSpPr>
-          <p:cNvPr id="2" name="标题 1"/>
+          <p:cNvPr id="2" name="Title 1"/>
           <p:cNvSpPr>
             <a:spLocks noGrp="1"/>
           </p:cNvSpPr>
@@ -869,13 +870,13 @@
               <a:rPr lang="zh-CN" altLang="en-US" smtClean="0"/>
               <a:t>单击此处编辑母版标题样式</a:t>
             </a:r>
-            <a:endParaRPr lang="zh-CN" altLang="en-US"/>
-          </a:p>
-        </p:txBody>
-      </p:sp>
-      <p:sp>
-        <p:nvSpPr>
-          <p:cNvPr id="3" name="文本占位符 2"/>
+            <a:endParaRPr lang="en-US" dirty="0"/>
+          </a:p>
+        </p:txBody>
+      </p:sp>
+      <p:sp>
+        <p:nvSpPr>
+          <p:cNvPr id="3" name="Text Placeholder 2"/>
           <p:cNvSpPr>
             <a:spLocks noGrp="1"/>
           </p:cNvSpPr>
@@ -994,7 +995,7 @@
       </p:sp>
       <p:sp>
         <p:nvSpPr>
-          <p:cNvPr id="4" name="日期占位符 3"/>
+          <p:cNvPr id="4" name="Date Placeholder 3"/>
           <p:cNvSpPr>
             <a:spLocks noGrp="1"/>
           </p:cNvSpPr>
@@ -1009,7 +1010,7 @@
           <a:p>
             <a:fld id="{8EA9E01C-C954-4BD3-9583-2C6EDEF177F2}" type="datetimeFigureOut">
               <a:rPr lang="zh-CN" altLang="en-US" smtClean="0"/>
-              <a:t>2019/1/1</a:t>
+              <a:t>2019/9/26</a:t>
             </a:fld>
             <a:endParaRPr lang="zh-CN" altLang="en-US"/>
           </a:p>
@@ -1017,7 +1018,7 @@
       </p:sp>
       <p:sp>
         <p:nvSpPr>
-          <p:cNvPr id="5" name="页脚占位符 4"/>
+          <p:cNvPr id="5" name="Footer Placeholder 4"/>
           <p:cNvSpPr>
             <a:spLocks noGrp="1"/>
           </p:cNvSpPr>
@@ -1036,7 +1037,7 @@
       </p:sp>
       <p:sp>
         <p:nvSpPr>
-          <p:cNvPr id="6" name="灯片编号占位符 5"/>
+          <p:cNvPr id="6" name="Slide Number Placeholder 5"/>
           <p:cNvSpPr>
             <a:spLocks noGrp="1"/>
           </p:cNvSpPr>
@@ -1060,7 +1061,7 @@
     </p:spTree>
     <p:extLst>
       <p:ext uri="{BB962C8B-B14F-4D97-AF65-F5344CB8AC3E}">
-        <p14:creationId xmlns:p14="http://schemas.microsoft.com/office/powerpoint/2010/main" val="704610968"/>
+        <p14:creationId xmlns:p14="http://schemas.microsoft.com/office/powerpoint/2010/main" val="1898857129"/>
       </p:ext>
     </p:extLst>
   </p:cSld>
@@ -1089,7 +1090,7 @@
       </p:grpSpPr>
       <p:sp>
         <p:nvSpPr>
-          <p:cNvPr id="2" name="标题 1"/>
+          <p:cNvPr id="2" name="Title 1"/>
           <p:cNvSpPr>
             <a:spLocks noGrp="1"/>
           </p:cNvSpPr>
@@ -1106,13 +1107,13 @@
               <a:rPr lang="zh-CN" altLang="en-US" smtClean="0"/>
               <a:t>单击此处编辑母版标题样式</a:t>
             </a:r>
-            <a:endParaRPr lang="zh-CN" altLang="en-US"/>
-          </a:p>
-        </p:txBody>
-      </p:sp>
-      <p:sp>
-        <p:nvSpPr>
-          <p:cNvPr id="3" name="内容占位符 2"/>
+            <a:endParaRPr lang="en-US" dirty="0"/>
+          </a:p>
+        </p:txBody>
+      </p:sp>
+      <p:sp>
+        <p:nvSpPr>
+          <p:cNvPr id="3" name="Content Placeholder 2"/>
           <p:cNvSpPr>
             <a:spLocks noGrp="1"/>
           </p:cNvSpPr>
@@ -1163,13 +1164,13 @@
               <a:rPr lang="zh-CN" altLang="en-US" smtClean="0"/>
               <a:t>第五级</a:t>
             </a:r>
-            <a:endParaRPr lang="zh-CN" altLang="en-US"/>
-          </a:p>
-        </p:txBody>
-      </p:sp>
-      <p:sp>
-        <p:nvSpPr>
-          <p:cNvPr id="4" name="内容占位符 3"/>
+            <a:endParaRPr lang="en-US" dirty="0"/>
+          </a:p>
+        </p:txBody>
+      </p:sp>
+      <p:sp>
+        <p:nvSpPr>
+          <p:cNvPr id="4" name="Content Placeholder 3"/>
           <p:cNvSpPr>
             <a:spLocks noGrp="1"/>
           </p:cNvSpPr>
@@ -1220,13 +1221,13 @@
               <a:rPr lang="zh-CN" altLang="en-US" smtClean="0"/>
               <a:t>第五级</a:t>
             </a:r>
-            <a:endParaRPr lang="zh-CN" altLang="en-US"/>
-          </a:p>
-        </p:txBody>
-      </p:sp>
-      <p:sp>
-        <p:nvSpPr>
-          <p:cNvPr id="5" name="日期占位符 4"/>
+            <a:endParaRPr lang="en-US" dirty="0"/>
+          </a:p>
+        </p:txBody>
+      </p:sp>
+      <p:sp>
+        <p:nvSpPr>
+          <p:cNvPr id="5" name="Date Placeholder 4"/>
           <p:cNvSpPr>
             <a:spLocks noGrp="1"/>
           </p:cNvSpPr>
@@ -1241,7 +1242,7 @@
           <a:p>
             <a:fld id="{8EA9E01C-C954-4BD3-9583-2C6EDEF177F2}" type="datetimeFigureOut">
               <a:rPr lang="zh-CN" altLang="en-US" smtClean="0"/>
-              <a:t>2019/1/1</a:t>
+              <a:t>2019/9/26</a:t>
             </a:fld>
             <a:endParaRPr lang="zh-CN" altLang="en-US"/>
           </a:p>
@@ -1249,7 +1250,7 @@
       </p:sp>
       <p:sp>
         <p:nvSpPr>
-          <p:cNvPr id="6" name="页脚占位符 5"/>
+          <p:cNvPr id="6" name="Footer Placeholder 5"/>
           <p:cNvSpPr>
             <a:spLocks noGrp="1"/>
           </p:cNvSpPr>
@@ -1268,7 +1269,7 @@
       </p:sp>
       <p:sp>
         <p:nvSpPr>
-          <p:cNvPr id="7" name="灯片编号占位符 6"/>
+          <p:cNvPr id="7" name="Slide Number Placeholder 6"/>
           <p:cNvSpPr>
             <a:spLocks noGrp="1"/>
           </p:cNvSpPr>
@@ -1292,7 +1293,7 @@
     </p:spTree>
     <p:extLst>
       <p:ext uri="{BB962C8B-B14F-4D97-AF65-F5344CB8AC3E}">
-        <p14:creationId xmlns:p14="http://schemas.microsoft.com/office/powerpoint/2010/main" val="1404616423"/>
+        <p14:creationId xmlns:p14="http://schemas.microsoft.com/office/powerpoint/2010/main" val="72645216"/>
       </p:ext>
     </p:extLst>
   </p:cSld>
@@ -1321,7 +1322,7 @@
       </p:grpSpPr>
       <p:sp>
         <p:nvSpPr>
-          <p:cNvPr id="2" name="标题 1"/>
+          <p:cNvPr id="2" name="Title 1"/>
           <p:cNvSpPr>
             <a:spLocks noGrp="1"/>
           </p:cNvSpPr>
@@ -1343,13 +1344,13 @@
               <a:rPr lang="zh-CN" altLang="en-US" smtClean="0"/>
               <a:t>单击此处编辑母版标题样式</a:t>
             </a:r>
-            <a:endParaRPr lang="zh-CN" altLang="en-US"/>
-          </a:p>
-        </p:txBody>
-      </p:sp>
-      <p:sp>
-        <p:nvSpPr>
-          <p:cNvPr id="3" name="文本占位符 2"/>
+            <a:endParaRPr lang="en-US" dirty="0"/>
+          </a:p>
+        </p:txBody>
+      </p:sp>
+      <p:sp>
+        <p:nvSpPr>
+          <p:cNvPr id="3" name="Text Placeholder 2"/>
           <p:cNvSpPr>
             <a:spLocks noGrp="1"/>
           </p:cNvSpPr>
@@ -1414,7 +1415,7 @@
       </p:sp>
       <p:sp>
         <p:nvSpPr>
-          <p:cNvPr id="4" name="内容占位符 3"/>
+          <p:cNvPr id="4" name="Content Placeholder 3"/>
           <p:cNvSpPr>
             <a:spLocks noGrp="1"/>
           </p:cNvSpPr>
@@ -1465,13 +1466,13 @@
               <a:rPr lang="zh-CN" altLang="en-US" smtClean="0"/>
               <a:t>第五级</a:t>
             </a:r>
-            <a:endParaRPr lang="zh-CN" altLang="en-US"/>
-          </a:p>
-        </p:txBody>
-      </p:sp>
-      <p:sp>
-        <p:nvSpPr>
-          <p:cNvPr id="5" name="文本占位符 4"/>
+            <a:endParaRPr lang="en-US" dirty="0"/>
+          </a:p>
+        </p:txBody>
+      </p:sp>
+      <p:sp>
+        <p:nvSpPr>
+          <p:cNvPr id="5" name="Text Placeholder 4"/>
           <p:cNvSpPr>
             <a:spLocks noGrp="1"/>
           </p:cNvSpPr>
@@ -1536,7 +1537,7 @@
       </p:sp>
       <p:sp>
         <p:nvSpPr>
-          <p:cNvPr id="6" name="内容占位符 5"/>
+          <p:cNvPr id="6" name="Content Placeholder 5"/>
           <p:cNvSpPr>
             <a:spLocks noGrp="1"/>
           </p:cNvSpPr>
@@ -1587,13 +1588,13 @@
               <a:rPr lang="zh-CN" altLang="en-US" smtClean="0"/>
               <a:t>第五级</a:t>
             </a:r>
-            <a:endParaRPr lang="zh-CN" altLang="en-US"/>
-          </a:p>
-        </p:txBody>
-      </p:sp>
-      <p:sp>
-        <p:nvSpPr>
-          <p:cNvPr id="7" name="日期占位符 6"/>
+            <a:endParaRPr lang="en-US" dirty="0"/>
+          </a:p>
+        </p:txBody>
+      </p:sp>
+      <p:sp>
+        <p:nvSpPr>
+          <p:cNvPr id="7" name="Date Placeholder 6"/>
           <p:cNvSpPr>
             <a:spLocks noGrp="1"/>
           </p:cNvSpPr>
@@ -1608,7 +1609,7 @@
           <a:p>
             <a:fld id="{8EA9E01C-C954-4BD3-9583-2C6EDEF177F2}" type="datetimeFigureOut">
               <a:rPr lang="zh-CN" altLang="en-US" smtClean="0"/>
-              <a:t>2019/1/1</a:t>
+              <a:t>2019/9/26</a:t>
             </a:fld>
             <a:endParaRPr lang="zh-CN" altLang="en-US"/>
           </a:p>
@@ -1616,7 +1617,7 @@
       </p:sp>
       <p:sp>
         <p:nvSpPr>
-          <p:cNvPr id="8" name="页脚占位符 7"/>
+          <p:cNvPr id="8" name="Footer Placeholder 7"/>
           <p:cNvSpPr>
             <a:spLocks noGrp="1"/>
           </p:cNvSpPr>
@@ -1635,7 +1636,7 @@
       </p:sp>
       <p:sp>
         <p:nvSpPr>
-          <p:cNvPr id="9" name="灯片编号占位符 8"/>
+          <p:cNvPr id="9" name="Slide Number Placeholder 8"/>
           <p:cNvSpPr>
             <a:spLocks noGrp="1"/>
           </p:cNvSpPr>
@@ -1659,7 +1660,7 @@
     </p:spTree>
     <p:extLst>
       <p:ext uri="{BB962C8B-B14F-4D97-AF65-F5344CB8AC3E}">
-        <p14:creationId xmlns:p14="http://schemas.microsoft.com/office/powerpoint/2010/main" val="1869790609"/>
+        <p14:creationId xmlns:p14="http://schemas.microsoft.com/office/powerpoint/2010/main" val="2091067606"/>
       </p:ext>
     </p:extLst>
   </p:cSld>
@@ -1688,7 +1689,7 @@
       </p:grpSpPr>
       <p:sp>
         <p:nvSpPr>
-          <p:cNvPr id="2" name="标题 1"/>
+          <p:cNvPr id="2" name="Title 1"/>
           <p:cNvSpPr>
             <a:spLocks noGrp="1"/>
           </p:cNvSpPr>
@@ -1705,13 +1706,13 @@
               <a:rPr lang="zh-CN" altLang="en-US" smtClean="0"/>
               <a:t>单击此处编辑母版标题样式</a:t>
             </a:r>
-            <a:endParaRPr lang="zh-CN" altLang="en-US"/>
-          </a:p>
-        </p:txBody>
-      </p:sp>
-      <p:sp>
-        <p:nvSpPr>
-          <p:cNvPr id="3" name="日期占位符 2"/>
+            <a:endParaRPr lang="en-US" dirty="0"/>
+          </a:p>
+        </p:txBody>
+      </p:sp>
+      <p:sp>
+        <p:nvSpPr>
+          <p:cNvPr id="3" name="Date Placeholder 2"/>
           <p:cNvSpPr>
             <a:spLocks noGrp="1"/>
           </p:cNvSpPr>
@@ -1726,7 +1727,7 @@
           <a:p>
             <a:fld id="{8EA9E01C-C954-4BD3-9583-2C6EDEF177F2}" type="datetimeFigureOut">
               <a:rPr lang="zh-CN" altLang="en-US" smtClean="0"/>
-              <a:t>2019/1/1</a:t>
+              <a:t>2019/9/26</a:t>
             </a:fld>
             <a:endParaRPr lang="zh-CN" altLang="en-US"/>
           </a:p>
@@ -1734,7 +1735,7 @@
       </p:sp>
       <p:sp>
         <p:nvSpPr>
-          <p:cNvPr id="4" name="页脚占位符 3"/>
+          <p:cNvPr id="4" name="Footer Placeholder 3"/>
           <p:cNvSpPr>
             <a:spLocks noGrp="1"/>
           </p:cNvSpPr>
@@ -1753,7 +1754,7 @@
       </p:sp>
       <p:sp>
         <p:nvSpPr>
-          <p:cNvPr id="5" name="灯片编号占位符 4"/>
+          <p:cNvPr id="5" name="Slide Number Placeholder 4"/>
           <p:cNvSpPr>
             <a:spLocks noGrp="1"/>
           </p:cNvSpPr>
@@ -1777,7 +1778,7 @@
     </p:spTree>
     <p:extLst>
       <p:ext uri="{BB962C8B-B14F-4D97-AF65-F5344CB8AC3E}">
-        <p14:creationId xmlns:p14="http://schemas.microsoft.com/office/powerpoint/2010/main" val="2220322864"/>
+        <p14:creationId xmlns:p14="http://schemas.microsoft.com/office/powerpoint/2010/main" val="3713665593"/>
       </p:ext>
     </p:extLst>
   </p:cSld>
@@ -1806,7 +1807,7 @@
       </p:grpSpPr>
       <p:sp>
         <p:nvSpPr>
-          <p:cNvPr id="2" name="日期占位符 1"/>
+          <p:cNvPr id="2" name="Date Placeholder 1"/>
           <p:cNvSpPr>
             <a:spLocks noGrp="1"/>
           </p:cNvSpPr>
@@ -1821,7 +1822,7 @@
           <a:p>
             <a:fld id="{8EA9E01C-C954-4BD3-9583-2C6EDEF177F2}" type="datetimeFigureOut">
               <a:rPr lang="zh-CN" altLang="en-US" smtClean="0"/>
-              <a:t>2019/1/1</a:t>
+              <a:t>2019/9/26</a:t>
             </a:fld>
             <a:endParaRPr lang="zh-CN" altLang="en-US"/>
           </a:p>
@@ -1829,7 +1830,7 @@
       </p:sp>
       <p:sp>
         <p:nvSpPr>
-          <p:cNvPr id="3" name="页脚占位符 2"/>
+          <p:cNvPr id="3" name="Footer Placeholder 2"/>
           <p:cNvSpPr>
             <a:spLocks noGrp="1"/>
           </p:cNvSpPr>
@@ -1848,7 +1849,7 @@
       </p:sp>
       <p:sp>
         <p:nvSpPr>
-          <p:cNvPr id="4" name="灯片编号占位符 3"/>
+          <p:cNvPr id="4" name="Slide Number Placeholder 3"/>
           <p:cNvSpPr>
             <a:spLocks noGrp="1"/>
           </p:cNvSpPr>
@@ -1872,7 +1873,7 @@
     </p:spTree>
     <p:extLst>
       <p:ext uri="{BB962C8B-B14F-4D97-AF65-F5344CB8AC3E}">
-        <p14:creationId xmlns:p14="http://schemas.microsoft.com/office/powerpoint/2010/main" val="276908335"/>
+        <p14:creationId xmlns:p14="http://schemas.microsoft.com/office/powerpoint/2010/main" val="3652812456"/>
       </p:ext>
     </p:extLst>
   </p:cSld>
@@ -1901,7 +1902,7 @@
       </p:grpSpPr>
       <p:sp>
         <p:nvSpPr>
-          <p:cNvPr id="2" name="标题 1"/>
+          <p:cNvPr id="2" name="Title 1"/>
           <p:cNvSpPr>
             <a:spLocks noGrp="1"/>
           </p:cNvSpPr>
@@ -1927,13 +1928,13 @@
               <a:rPr lang="zh-CN" altLang="en-US" smtClean="0"/>
               <a:t>单击此处编辑母版标题样式</a:t>
             </a:r>
-            <a:endParaRPr lang="zh-CN" altLang="en-US"/>
-          </a:p>
-        </p:txBody>
-      </p:sp>
-      <p:sp>
-        <p:nvSpPr>
-          <p:cNvPr id="3" name="内容占位符 2"/>
+            <a:endParaRPr lang="en-US" dirty="0"/>
+          </a:p>
+        </p:txBody>
+      </p:sp>
+      <p:sp>
+        <p:nvSpPr>
+          <p:cNvPr id="3" name="Content Placeholder 2"/>
           <p:cNvSpPr>
             <a:spLocks noGrp="1"/>
           </p:cNvSpPr>
@@ -2012,13 +2013,13 @@
               <a:rPr lang="zh-CN" altLang="en-US" smtClean="0"/>
               <a:t>第五级</a:t>
             </a:r>
-            <a:endParaRPr lang="zh-CN" altLang="en-US"/>
-          </a:p>
-        </p:txBody>
-      </p:sp>
-      <p:sp>
-        <p:nvSpPr>
-          <p:cNvPr id="4" name="文本占位符 3"/>
+            <a:endParaRPr lang="en-US" dirty="0"/>
+          </a:p>
+        </p:txBody>
+      </p:sp>
+      <p:sp>
+        <p:nvSpPr>
+          <p:cNvPr id="4" name="Text Placeholder 3"/>
           <p:cNvSpPr>
             <a:spLocks noGrp="1"/>
           </p:cNvSpPr>
@@ -2083,7 +2084,7 @@
       </p:sp>
       <p:sp>
         <p:nvSpPr>
-          <p:cNvPr id="5" name="日期占位符 4"/>
+          <p:cNvPr id="5" name="Date Placeholder 4"/>
           <p:cNvSpPr>
             <a:spLocks noGrp="1"/>
           </p:cNvSpPr>
@@ -2098,7 +2099,7 @@
           <a:p>
             <a:fld id="{8EA9E01C-C954-4BD3-9583-2C6EDEF177F2}" type="datetimeFigureOut">
               <a:rPr lang="zh-CN" altLang="en-US" smtClean="0"/>
-              <a:t>2019/1/1</a:t>
+              <a:t>2019/9/26</a:t>
             </a:fld>
             <a:endParaRPr lang="zh-CN" altLang="en-US"/>
           </a:p>
@@ -2106,7 +2107,7 @@
       </p:sp>
       <p:sp>
         <p:nvSpPr>
-          <p:cNvPr id="6" name="页脚占位符 5"/>
+          <p:cNvPr id="6" name="Footer Placeholder 5"/>
           <p:cNvSpPr>
             <a:spLocks noGrp="1"/>
           </p:cNvSpPr>
@@ -2125,7 +2126,7 @@
       </p:sp>
       <p:sp>
         <p:nvSpPr>
-          <p:cNvPr id="7" name="灯片编号占位符 6"/>
+          <p:cNvPr id="7" name="Slide Number Placeholder 6"/>
           <p:cNvSpPr>
             <a:spLocks noGrp="1"/>
           </p:cNvSpPr>
@@ -2149,7 +2150,7 @@
     </p:spTree>
     <p:extLst>
       <p:ext uri="{BB962C8B-B14F-4D97-AF65-F5344CB8AC3E}">
-        <p14:creationId xmlns:p14="http://schemas.microsoft.com/office/powerpoint/2010/main" val="820737980"/>
+        <p14:creationId xmlns:p14="http://schemas.microsoft.com/office/powerpoint/2010/main" val="1251875870"/>
       </p:ext>
     </p:extLst>
   </p:cSld>
@@ -2178,7 +2179,7 @@
       </p:grpSpPr>
       <p:sp>
         <p:nvSpPr>
-          <p:cNvPr id="2" name="标题 1"/>
+          <p:cNvPr id="2" name="Title 1"/>
           <p:cNvSpPr>
             <a:spLocks noGrp="1"/>
           </p:cNvSpPr>
@@ -2204,15 +2205,15 @@
               <a:rPr lang="zh-CN" altLang="en-US" smtClean="0"/>
               <a:t>单击此处编辑母版标题样式</a:t>
             </a:r>
-            <a:endParaRPr lang="zh-CN" altLang="en-US"/>
-          </a:p>
-        </p:txBody>
-      </p:sp>
-      <p:sp>
-        <p:nvSpPr>
-          <p:cNvPr id="3" name="图片占位符 2"/>
-          <p:cNvSpPr>
-            <a:spLocks noGrp="1"/>
+            <a:endParaRPr lang="en-US" dirty="0"/>
+          </a:p>
+        </p:txBody>
+      </p:sp>
+      <p:sp>
+        <p:nvSpPr>
+          <p:cNvPr id="3" name="Picture Placeholder 2"/>
+          <p:cNvSpPr>
+            <a:spLocks noGrp="1" noChangeAspect="1"/>
           </p:cNvSpPr>
           <p:nvPr>
             <p:ph type="pic" idx="1"/>
@@ -2225,7 +2226,7 @@
           </a:xfrm>
         </p:spPr>
         <p:txBody>
-          <a:bodyPr/>
+          <a:bodyPr anchor="t"/>
           <a:lstStyle>
             <a:lvl1pPr marL="0" indent="0">
               <a:buNone/>
@@ -2265,13 +2266,17 @@
             </a:lvl9pPr>
           </a:lstStyle>
           <a:p>
-            <a:endParaRPr lang="zh-CN" altLang="en-US"/>
-          </a:p>
-        </p:txBody>
-      </p:sp>
-      <p:sp>
-        <p:nvSpPr>
-          <p:cNvPr id="4" name="文本占位符 3"/>
+            <a:r>
+              <a:rPr lang="zh-CN" altLang="en-US" smtClean="0"/>
+              <a:t>单击图标添加图片</a:t>
+            </a:r>
+            <a:endParaRPr lang="en-US" dirty="0"/>
+          </a:p>
+        </p:txBody>
+      </p:sp>
+      <p:sp>
+        <p:nvSpPr>
+          <p:cNvPr id="4" name="Text Placeholder 3"/>
           <p:cNvSpPr>
             <a:spLocks noGrp="1"/>
           </p:cNvSpPr>
@@ -2336,7 +2341,7 @@
       </p:sp>
       <p:sp>
         <p:nvSpPr>
-          <p:cNvPr id="5" name="日期占位符 4"/>
+          <p:cNvPr id="5" name="Date Placeholder 4"/>
           <p:cNvSpPr>
             <a:spLocks noGrp="1"/>
           </p:cNvSpPr>
@@ -2351,7 +2356,7 @@
           <a:p>
             <a:fld id="{8EA9E01C-C954-4BD3-9583-2C6EDEF177F2}" type="datetimeFigureOut">
               <a:rPr lang="zh-CN" altLang="en-US" smtClean="0"/>
-              <a:t>2019/1/1</a:t>
+              <a:t>2019/9/26</a:t>
             </a:fld>
             <a:endParaRPr lang="zh-CN" altLang="en-US"/>
           </a:p>
@@ -2359,7 +2364,7 @@
       </p:sp>
       <p:sp>
         <p:nvSpPr>
-          <p:cNvPr id="6" name="页脚占位符 5"/>
+          <p:cNvPr id="6" name="Footer Placeholder 5"/>
           <p:cNvSpPr>
             <a:spLocks noGrp="1"/>
           </p:cNvSpPr>
@@ -2378,7 +2383,7 @@
       </p:sp>
       <p:sp>
         <p:nvSpPr>
-          <p:cNvPr id="7" name="灯片编号占位符 6"/>
+          <p:cNvPr id="7" name="Slide Number Placeholder 6"/>
           <p:cNvSpPr>
             <a:spLocks noGrp="1"/>
           </p:cNvSpPr>
@@ -2402,7 +2407,7 @@
     </p:spTree>
     <p:extLst>
       <p:ext uri="{BB962C8B-B14F-4D97-AF65-F5344CB8AC3E}">
-        <p14:creationId xmlns:p14="http://schemas.microsoft.com/office/powerpoint/2010/main" val="26573996"/>
+        <p14:creationId xmlns:p14="http://schemas.microsoft.com/office/powerpoint/2010/main" val="2406588100"/>
       </p:ext>
     </p:extLst>
   </p:cSld>
@@ -2436,7 +2441,7 @@
       </p:grpSpPr>
       <p:sp>
         <p:nvSpPr>
-          <p:cNvPr id="2" name="标题占位符 1"/>
+          <p:cNvPr id="2" name="Title Placeholder 1"/>
           <p:cNvSpPr>
             <a:spLocks noGrp="1"/>
           </p:cNvSpPr>
@@ -2463,13 +2468,13 @@
               <a:rPr lang="zh-CN" altLang="en-US" smtClean="0"/>
               <a:t>单击此处编辑母版标题样式</a:t>
             </a:r>
-            <a:endParaRPr lang="zh-CN" altLang="en-US"/>
-          </a:p>
-        </p:txBody>
-      </p:sp>
-      <p:sp>
-        <p:nvSpPr>
-          <p:cNvPr id="3" name="文本占位符 2"/>
+            <a:endParaRPr lang="en-US" dirty="0"/>
+          </a:p>
+        </p:txBody>
+      </p:sp>
+      <p:sp>
+        <p:nvSpPr>
+          <p:cNvPr id="3" name="Text Placeholder 2"/>
           <p:cNvSpPr>
             <a:spLocks noGrp="1"/>
           </p:cNvSpPr>
@@ -2525,13 +2530,13 @@
               <a:rPr lang="zh-CN" altLang="en-US" smtClean="0"/>
               <a:t>第五级</a:t>
             </a:r>
-            <a:endParaRPr lang="zh-CN" altLang="en-US"/>
-          </a:p>
-        </p:txBody>
-      </p:sp>
-      <p:sp>
-        <p:nvSpPr>
-          <p:cNvPr id="4" name="日期占位符 3"/>
+            <a:endParaRPr lang="en-US" dirty="0"/>
+          </a:p>
+        </p:txBody>
+      </p:sp>
+      <p:sp>
+        <p:nvSpPr>
+          <p:cNvPr id="4" name="Date Placeholder 3"/>
           <p:cNvSpPr>
             <a:spLocks noGrp="1"/>
           </p:cNvSpPr>
@@ -2564,7 +2569,7 @@
           <a:p>
             <a:fld id="{8EA9E01C-C954-4BD3-9583-2C6EDEF177F2}" type="datetimeFigureOut">
               <a:rPr lang="zh-CN" altLang="en-US" smtClean="0"/>
-              <a:t>2019/1/1</a:t>
+              <a:t>2019/9/26</a:t>
             </a:fld>
             <a:endParaRPr lang="zh-CN" altLang="en-US"/>
           </a:p>
@@ -2572,7 +2577,7 @@
       </p:sp>
       <p:sp>
         <p:nvSpPr>
-          <p:cNvPr id="5" name="页脚占位符 4"/>
+          <p:cNvPr id="5" name="Footer Placeholder 4"/>
           <p:cNvSpPr>
             <a:spLocks noGrp="1"/>
           </p:cNvSpPr>
@@ -2609,7 +2614,7 @@
       </p:sp>
       <p:sp>
         <p:nvSpPr>
-          <p:cNvPr id="6" name="灯片编号占位符 5"/>
+          <p:cNvPr id="6" name="Slide Number Placeholder 5"/>
           <p:cNvSpPr>
             <a:spLocks noGrp="1"/>
           </p:cNvSpPr>
@@ -2651,23 +2656,23 @@
     </p:spTree>
     <p:extLst>
       <p:ext uri="{BB962C8B-B14F-4D97-AF65-F5344CB8AC3E}">
-        <p14:creationId xmlns:p14="http://schemas.microsoft.com/office/powerpoint/2010/main" val="4000846458"/>
+        <p14:creationId xmlns:p14="http://schemas.microsoft.com/office/powerpoint/2010/main" val="3880664900"/>
       </p:ext>
     </p:extLst>
   </p:cSld>
-  <p:clrMap bg1="lt1" tx1="dk1" bg2="lt2" tx2="dk2" accent1="accent1" accent2="accent2" accent3="accent3" accent4="accent4" accent5="accent5" accent6="accent6" hlink="hlink" folHlink="folHlink"/>
+  <p:clrMap bg1="dk1" tx1="lt1" bg2="dk2" tx2="lt2" accent1="accent1" accent2="accent2" accent3="accent3" accent4="accent4" accent5="accent5" accent6="accent6" hlink="hlink" folHlink="folHlink"/>
   <p:sldLayoutIdLst>
-    <p:sldLayoutId id="2147483649" r:id="rId1"/>
-    <p:sldLayoutId id="2147483650" r:id="rId2"/>
-    <p:sldLayoutId id="2147483651" r:id="rId3"/>
-    <p:sldLayoutId id="2147483652" r:id="rId4"/>
-    <p:sldLayoutId id="2147483653" r:id="rId5"/>
-    <p:sldLayoutId id="2147483654" r:id="rId6"/>
-    <p:sldLayoutId id="2147483655" r:id="rId7"/>
-    <p:sldLayoutId id="2147483656" r:id="rId8"/>
-    <p:sldLayoutId id="2147483657" r:id="rId9"/>
-    <p:sldLayoutId id="2147483658" r:id="rId10"/>
-    <p:sldLayoutId id="2147483659" r:id="rId11"/>
+    <p:sldLayoutId id="2147483661" r:id="rId1"/>
+    <p:sldLayoutId id="2147483662" r:id="rId2"/>
+    <p:sldLayoutId id="2147483663" r:id="rId3"/>
+    <p:sldLayoutId id="2147483664" r:id="rId4"/>
+    <p:sldLayoutId id="2147483665" r:id="rId5"/>
+    <p:sldLayoutId id="2147483666" r:id="rId6"/>
+    <p:sldLayoutId id="2147483667" r:id="rId7"/>
+    <p:sldLayoutId id="2147483668" r:id="rId8"/>
+    <p:sldLayoutId id="2147483669" r:id="rId9"/>
+    <p:sldLayoutId id="2147483670" r:id="rId10"/>
+    <p:sldLayoutId id="2147483671" r:id="rId11"/>
   </p:sldLayoutIdLst>
   <p:txStyles>
     <p:titleStyle>
@@ -2855,7 +2860,7 @@
     </p:bodyStyle>
     <p:otherStyle>
       <a:defPPr>
-        <a:defRPr lang="zh-CN"/>
+        <a:defRPr lang="en-US"/>
       </a:defPPr>
       <a:lvl1pPr marL="0" algn="l" defTabSz="914400" rtl="0" eaLnBrk="1" latinLnBrk="0" hangingPunct="1">
         <a:defRPr sz="1800" kern="1200">
@@ -3756,10 +3761,824 @@
 </p:sld>
 </file>
 
+<file path=ppt/slides/slide2.xml><?xml version="1.0" encoding="utf-8"?>
+<p:sld xmlns:a="http://schemas.openxmlformats.org/drawingml/2006/main" xmlns:r="http://schemas.openxmlformats.org/officeDocument/2006/relationships" xmlns:p="http://schemas.openxmlformats.org/presentationml/2006/main">
+  <p:cSld>
+    <p:spTree>
+      <p:nvGrpSpPr>
+        <p:cNvPr id="1" name=""/>
+        <p:cNvGrpSpPr/>
+        <p:nvPr/>
+      </p:nvGrpSpPr>
+      <p:grpSpPr>
+        <a:xfrm>
+          <a:off x="0" y="0"/>
+          <a:ext cx="0" cy="0"/>
+          <a:chOff x="0" y="0"/>
+          <a:chExt cx="0" cy="0"/>
+        </a:xfrm>
+      </p:grpSpPr>
+      <p:sp>
+        <p:nvSpPr>
+          <p:cNvPr id="4" name="矩形 3"/>
+          <p:cNvSpPr/>
+          <p:nvPr/>
+        </p:nvSpPr>
+        <p:spPr>
+          <a:xfrm>
+            <a:off x="3612825" y="-319087"/>
+            <a:ext cx="7200000" cy="7200000"/>
+          </a:xfrm>
+          <a:prstGeom prst="rect">
+            <a:avLst/>
+          </a:prstGeom>
+          <a:solidFill>
+            <a:srgbClr val="0077E6"/>
+          </a:solidFill>
+        </p:spPr>
+        <p:style>
+          <a:lnRef idx="2">
+            <a:schemeClr val="accent1">
+              <a:shade val="50000"/>
+            </a:schemeClr>
+          </a:lnRef>
+          <a:fillRef idx="1">
+            <a:schemeClr val="accent1"/>
+          </a:fillRef>
+          <a:effectRef idx="0">
+            <a:schemeClr val="accent1"/>
+          </a:effectRef>
+          <a:fontRef idx="minor">
+            <a:schemeClr val="lt1"/>
+          </a:fontRef>
+        </p:style>
+        <p:txBody>
+          <a:bodyPr rtlCol="0" anchor="ctr"/>
+          <a:lstStyle/>
+          <a:p>
+            <a:pPr algn="ctr"/>
+            <a:endParaRPr lang="zh-CN" altLang="en-US"/>
+          </a:p>
+        </p:txBody>
+      </p:sp>
+      <p:grpSp>
+        <p:nvGrpSpPr>
+          <p:cNvPr id="42" name="组合 41"/>
+          <p:cNvGrpSpPr/>
+          <p:nvPr/>
+        </p:nvGrpSpPr>
+        <p:grpSpPr>
+          <a:xfrm>
+            <a:off x="4860532" y="1546963"/>
+            <a:ext cx="4718896" cy="3750752"/>
+            <a:chOff x="3418534" y="388087"/>
+            <a:chExt cx="5886804" cy="4631785"/>
+          </a:xfrm>
+        </p:grpSpPr>
+        <p:cxnSp>
+          <p:nvCxnSpPr>
+            <p:cNvPr id="9" name="直接连接符 8"/>
+            <p:cNvCxnSpPr/>
+            <p:nvPr/>
+          </p:nvCxnSpPr>
+          <p:spPr bwMode="auto">
+            <a:xfrm flipH="1">
+              <a:off x="4252382" y="552321"/>
+              <a:ext cx="1008112" cy="447957"/>
+            </a:xfrm>
+            <a:prstGeom prst="line">
+              <a:avLst/>
+            </a:prstGeom>
+            <a:solidFill>
+              <a:srgbClr val="FFFFFF"/>
+            </a:solidFill>
+            <a:ln w="101600" cap="flat" cmpd="sng" algn="ctr">
+              <a:solidFill>
+                <a:schemeClr val="tx1"/>
+              </a:solidFill>
+              <a:prstDash val="solid"/>
+              <a:round/>
+              <a:headEnd type="oval" w="med" len="med"/>
+              <a:tailEnd type="none"/>
+            </a:ln>
+            <a:effectLst/>
+          </p:spPr>
+        </p:cxnSp>
+        <p:cxnSp>
+          <p:nvCxnSpPr>
+            <p:cNvPr id="14" name="直接连接符 13"/>
+            <p:cNvCxnSpPr/>
+            <p:nvPr/>
+          </p:nvCxnSpPr>
+          <p:spPr bwMode="auto">
+            <a:xfrm>
+              <a:off x="5274740" y="552321"/>
+              <a:ext cx="2563796" cy="2088232"/>
+            </a:xfrm>
+            <a:prstGeom prst="line">
+              <a:avLst/>
+            </a:prstGeom>
+            <a:solidFill>
+              <a:srgbClr val="FFFFFF"/>
+            </a:solidFill>
+            <a:ln w="101600" cap="flat" cmpd="sng" algn="ctr">
+              <a:solidFill>
+                <a:schemeClr val="tx1"/>
+              </a:solidFill>
+              <a:prstDash val="solid"/>
+              <a:round/>
+              <a:headEnd type="none" w="med" len="med"/>
+              <a:tailEnd type="none"/>
+            </a:ln>
+            <a:effectLst/>
+          </p:spPr>
+        </p:cxnSp>
+        <p:cxnSp>
+          <p:nvCxnSpPr>
+            <p:cNvPr id="18" name="直接连接符 17"/>
+            <p:cNvCxnSpPr/>
+            <p:nvPr/>
+          </p:nvCxnSpPr>
+          <p:spPr bwMode="auto">
+            <a:xfrm flipH="1" flipV="1">
+              <a:off x="7850930" y="2640553"/>
+              <a:ext cx="1009964" cy="576064"/>
+            </a:xfrm>
+            <a:prstGeom prst="line">
+              <a:avLst/>
+            </a:prstGeom>
+            <a:solidFill>
+              <a:srgbClr val="FFFFFF"/>
+            </a:solidFill>
+            <a:ln w="101600" cap="flat" cmpd="sng" algn="ctr">
+              <a:solidFill>
+                <a:schemeClr val="tx1"/>
+              </a:solidFill>
+              <a:prstDash val="solid"/>
+              <a:round/>
+              <a:headEnd type="oval" w="med" len="med"/>
+              <a:tailEnd type="none"/>
+            </a:ln>
+            <a:effectLst/>
+          </p:spPr>
+        </p:cxnSp>
+        <p:cxnSp>
+          <p:nvCxnSpPr>
+            <p:cNvPr id="21" name="直接连接符 20"/>
+            <p:cNvCxnSpPr/>
+            <p:nvPr/>
+          </p:nvCxnSpPr>
+          <p:spPr bwMode="auto">
+            <a:xfrm>
+              <a:off x="4252382" y="1000278"/>
+              <a:ext cx="2520280" cy="2641092"/>
+            </a:xfrm>
+            <a:prstGeom prst="line">
+              <a:avLst/>
+            </a:prstGeom>
+            <a:solidFill>
+              <a:srgbClr val="FFFFFF"/>
+            </a:solidFill>
+            <a:ln w="101600" cap="flat" cmpd="sng" algn="ctr">
+              <a:solidFill>
+                <a:schemeClr val="tx1"/>
+              </a:solidFill>
+              <a:prstDash val="solid"/>
+              <a:round/>
+              <a:headEnd type="oval" w="med" len="med"/>
+              <a:tailEnd type="none"/>
+            </a:ln>
+            <a:effectLst/>
+          </p:spPr>
+        </p:cxnSp>
+        <p:cxnSp>
+          <p:nvCxnSpPr>
+            <p:cNvPr id="24" name="直接连接符 23"/>
+            <p:cNvCxnSpPr/>
+            <p:nvPr/>
+          </p:nvCxnSpPr>
+          <p:spPr bwMode="auto">
+            <a:xfrm flipV="1">
+              <a:off x="5649902" y="3636285"/>
+              <a:ext cx="1122760" cy="328069"/>
+            </a:xfrm>
+            <a:prstGeom prst="line">
+              <a:avLst/>
+            </a:prstGeom>
+            <a:solidFill>
+              <a:srgbClr val="FFFFFF"/>
+            </a:solidFill>
+            <a:ln w="101600" cap="flat" cmpd="sng" algn="ctr">
+              <a:solidFill>
+                <a:schemeClr val="tx1"/>
+              </a:solidFill>
+              <a:prstDash val="solid"/>
+              <a:round/>
+              <a:headEnd type="oval" w="med" len="med"/>
+              <a:tailEnd type="none"/>
+            </a:ln>
+            <a:effectLst/>
+          </p:spPr>
+        </p:cxnSp>
+        <p:cxnSp>
+          <p:nvCxnSpPr>
+            <p:cNvPr id="28" name="直接连接符 27"/>
+            <p:cNvCxnSpPr/>
+            <p:nvPr/>
+          </p:nvCxnSpPr>
+          <p:spPr bwMode="auto">
+            <a:xfrm flipH="1">
+              <a:off x="3604310" y="637801"/>
+              <a:ext cx="4320480" cy="2339126"/>
+            </a:xfrm>
+            <a:prstGeom prst="line">
+              <a:avLst/>
+            </a:prstGeom>
+            <a:solidFill>
+              <a:srgbClr val="FFFFFF"/>
+            </a:solidFill>
+            <a:ln w="101600" cap="flat" cmpd="sng" algn="ctr">
+              <a:solidFill>
+                <a:schemeClr val="tx1"/>
+              </a:solidFill>
+              <a:prstDash val="solid"/>
+              <a:round/>
+              <a:headEnd type="oval" w="med" len="med"/>
+              <a:tailEnd type="none"/>
+            </a:ln>
+            <a:effectLst/>
+          </p:spPr>
+        </p:cxnSp>
+        <p:cxnSp>
+          <p:nvCxnSpPr>
+            <p:cNvPr id="31" name="直接连接符 30"/>
+            <p:cNvCxnSpPr/>
+            <p:nvPr/>
+          </p:nvCxnSpPr>
+          <p:spPr bwMode="auto">
+            <a:xfrm flipH="1">
+              <a:off x="4656020" y="2640552"/>
+              <a:ext cx="3182516" cy="659359"/>
+            </a:xfrm>
+            <a:prstGeom prst="line">
+              <a:avLst/>
+            </a:prstGeom>
+            <a:solidFill>
+              <a:srgbClr val="FFFFFF"/>
+            </a:solidFill>
+            <a:ln w="101600" cap="flat" cmpd="sng" algn="ctr">
+              <a:solidFill>
+                <a:schemeClr val="tx1"/>
+              </a:solidFill>
+              <a:prstDash val="solid"/>
+              <a:round/>
+              <a:headEnd type="oval" w="med" len="med"/>
+              <a:tailEnd type="none"/>
+            </a:ln>
+            <a:effectLst/>
+          </p:spPr>
+        </p:cxnSp>
+        <p:cxnSp>
+          <p:nvCxnSpPr>
+            <p:cNvPr id="34" name="直接连接符 33"/>
+            <p:cNvCxnSpPr/>
+            <p:nvPr/>
+          </p:nvCxnSpPr>
+          <p:spPr bwMode="auto">
+            <a:xfrm flipH="1" flipV="1">
+              <a:off x="3418534" y="1726625"/>
+              <a:ext cx="185776" cy="1243609"/>
+            </a:xfrm>
+            <a:prstGeom prst="line">
+              <a:avLst/>
+            </a:prstGeom>
+            <a:solidFill>
+              <a:srgbClr val="FFFFFF"/>
+            </a:solidFill>
+            <a:ln w="101600" cap="flat" cmpd="sng" algn="ctr">
+              <a:solidFill>
+                <a:schemeClr val="tx1"/>
+              </a:solidFill>
+              <a:prstDash val="solid"/>
+              <a:round/>
+              <a:headEnd type="oval" w="med" len="med"/>
+              <a:tailEnd type="none"/>
+            </a:ln>
+            <a:effectLst/>
+          </p:spPr>
+        </p:cxnSp>
+        <p:cxnSp>
+          <p:nvCxnSpPr>
+            <p:cNvPr id="37" name="直接连接符 36"/>
+            <p:cNvCxnSpPr/>
+            <p:nvPr/>
+          </p:nvCxnSpPr>
+          <p:spPr bwMode="auto">
+            <a:xfrm>
+              <a:off x="6353010" y="388087"/>
+              <a:ext cx="1535035" cy="4631785"/>
+            </a:xfrm>
+            <a:prstGeom prst="line">
+              <a:avLst/>
+            </a:prstGeom>
+            <a:solidFill>
+              <a:srgbClr val="FFFFFF"/>
+            </a:solidFill>
+            <a:ln w="101600" cap="flat" cmpd="sng" algn="ctr">
+              <a:solidFill>
+                <a:schemeClr val="tx1"/>
+              </a:solidFill>
+              <a:prstDash val="solid"/>
+              <a:round/>
+              <a:headEnd type="none" w="med" len="med"/>
+              <a:tailEnd type="oval"/>
+            </a:ln>
+            <a:effectLst/>
+          </p:spPr>
+        </p:cxnSp>
+        <p:cxnSp>
+          <p:nvCxnSpPr>
+            <p:cNvPr id="40" name="直接连接符 39"/>
+            <p:cNvCxnSpPr/>
+            <p:nvPr/>
+          </p:nvCxnSpPr>
+          <p:spPr bwMode="auto">
+            <a:xfrm flipV="1">
+              <a:off x="3418534" y="1000175"/>
+              <a:ext cx="833848" cy="726450"/>
+            </a:xfrm>
+            <a:prstGeom prst="line">
+              <a:avLst/>
+            </a:prstGeom>
+            <a:solidFill>
+              <a:srgbClr val="FFFFFF"/>
+            </a:solidFill>
+            <a:ln w="101600" cap="flat" cmpd="sng" algn="ctr">
+              <a:solidFill>
+                <a:schemeClr val="tx1"/>
+              </a:solidFill>
+              <a:prstDash val="solid"/>
+              <a:round/>
+              <a:headEnd type="oval" w="med" len="med"/>
+              <a:tailEnd type="none"/>
+            </a:ln>
+            <a:effectLst/>
+          </p:spPr>
+        </p:cxnSp>
+        <p:cxnSp>
+          <p:nvCxnSpPr>
+            <p:cNvPr id="43" name="直接连接符 42"/>
+            <p:cNvCxnSpPr/>
+            <p:nvPr/>
+          </p:nvCxnSpPr>
+          <p:spPr bwMode="auto">
+            <a:xfrm flipH="1">
+              <a:off x="5260495" y="391755"/>
+              <a:ext cx="1080121" cy="160566"/>
+            </a:xfrm>
+            <a:prstGeom prst="line">
+              <a:avLst/>
+            </a:prstGeom>
+            <a:solidFill>
+              <a:srgbClr val="FFFFFF"/>
+            </a:solidFill>
+            <a:ln w="101600" cap="flat" cmpd="sng" algn="ctr">
+              <a:solidFill>
+                <a:schemeClr val="tx1"/>
+              </a:solidFill>
+              <a:prstDash val="solid"/>
+              <a:round/>
+              <a:headEnd type="oval" w="med" len="med"/>
+              <a:tailEnd type="none"/>
+            </a:ln>
+            <a:effectLst/>
+          </p:spPr>
+        </p:cxnSp>
+        <p:cxnSp>
+          <p:nvCxnSpPr>
+            <p:cNvPr id="46" name="直接连接符 45"/>
+            <p:cNvCxnSpPr/>
+            <p:nvPr/>
+          </p:nvCxnSpPr>
+          <p:spPr bwMode="auto">
+            <a:xfrm>
+              <a:off x="6772662" y="3636285"/>
+              <a:ext cx="541025" cy="815981"/>
+            </a:xfrm>
+            <a:prstGeom prst="line">
+              <a:avLst/>
+            </a:prstGeom>
+            <a:solidFill>
+              <a:srgbClr val="FFFFFF"/>
+            </a:solidFill>
+            <a:ln w="101600" cap="flat" cmpd="sng" algn="ctr">
+              <a:solidFill>
+                <a:schemeClr val="tx1"/>
+              </a:solidFill>
+              <a:prstDash val="solid"/>
+              <a:round/>
+              <a:headEnd type="oval" w="med" len="med"/>
+              <a:tailEnd type="none"/>
+            </a:ln>
+            <a:effectLst/>
+          </p:spPr>
+        </p:cxnSp>
+        <p:cxnSp>
+          <p:nvCxnSpPr>
+            <p:cNvPr id="49" name="直接连接符 48"/>
+            <p:cNvCxnSpPr/>
+            <p:nvPr/>
+          </p:nvCxnSpPr>
+          <p:spPr bwMode="auto">
+            <a:xfrm flipV="1">
+              <a:off x="6772662" y="2516237"/>
+              <a:ext cx="2532674" cy="1120049"/>
+            </a:xfrm>
+            <a:prstGeom prst="line">
+              <a:avLst/>
+            </a:prstGeom>
+            <a:solidFill>
+              <a:srgbClr val="FFFFFF"/>
+            </a:solidFill>
+            <a:ln w="101600" cap="flat" cmpd="sng" algn="ctr">
+              <a:solidFill>
+                <a:schemeClr val="tx1"/>
+              </a:solidFill>
+              <a:prstDash val="solid"/>
+              <a:round/>
+              <a:headEnd type="oval" w="med" len="med"/>
+              <a:tailEnd type="none"/>
+            </a:ln>
+            <a:effectLst/>
+          </p:spPr>
+        </p:cxnSp>
+        <p:cxnSp>
+          <p:nvCxnSpPr>
+            <p:cNvPr id="53" name="直接连接符 52"/>
+            <p:cNvCxnSpPr/>
+            <p:nvPr/>
+          </p:nvCxnSpPr>
+          <p:spPr bwMode="auto">
+            <a:xfrm flipV="1">
+              <a:off x="7850930" y="635872"/>
+              <a:ext cx="73860" cy="1991587"/>
+            </a:xfrm>
+            <a:prstGeom prst="line">
+              <a:avLst/>
+            </a:prstGeom>
+            <a:solidFill>
+              <a:srgbClr val="FFFFFF"/>
+            </a:solidFill>
+            <a:ln w="101600" cap="flat" cmpd="sng" algn="ctr">
+              <a:solidFill>
+                <a:schemeClr val="tx1"/>
+              </a:solidFill>
+              <a:prstDash val="solid"/>
+              <a:round/>
+              <a:headEnd type="none" w="med" len="med"/>
+              <a:tailEnd type="none"/>
+            </a:ln>
+            <a:effectLst/>
+          </p:spPr>
+        </p:cxnSp>
+        <p:cxnSp>
+          <p:nvCxnSpPr>
+            <p:cNvPr id="62" name="直接连接符 61"/>
+            <p:cNvCxnSpPr/>
+            <p:nvPr/>
+          </p:nvCxnSpPr>
+          <p:spPr bwMode="auto">
+            <a:xfrm flipV="1">
+              <a:off x="7717397" y="3944045"/>
+              <a:ext cx="937564" cy="556115"/>
+            </a:xfrm>
+            <a:prstGeom prst="line">
+              <a:avLst/>
+            </a:prstGeom>
+            <a:solidFill>
+              <a:srgbClr val="FFFFFF"/>
+            </a:solidFill>
+            <a:ln w="101600" cap="flat" cmpd="sng" algn="ctr">
+              <a:solidFill>
+                <a:schemeClr val="tx1"/>
+              </a:solidFill>
+              <a:prstDash val="solid"/>
+              <a:round/>
+              <a:headEnd type="oval" w="med" len="med"/>
+              <a:tailEnd type="none"/>
+            </a:ln>
+            <a:effectLst/>
+          </p:spPr>
+        </p:cxnSp>
+        <p:cxnSp>
+          <p:nvCxnSpPr>
+            <p:cNvPr id="65" name="直接连接符 64"/>
+            <p:cNvCxnSpPr/>
+            <p:nvPr/>
+          </p:nvCxnSpPr>
+          <p:spPr bwMode="auto">
+            <a:xfrm>
+              <a:off x="7315538" y="4452266"/>
+              <a:ext cx="572322" cy="567606"/>
+            </a:xfrm>
+            <a:prstGeom prst="line">
+              <a:avLst/>
+            </a:prstGeom>
+            <a:solidFill>
+              <a:srgbClr val="FFFFFF"/>
+            </a:solidFill>
+            <a:ln w="101600" cap="flat" cmpd="sng" algn="ctr">
+              <a:solidFill>
+                <a:schemeClr val="tx1"/>
+              </a:solidFill>
+              <a:prstDash val="solid"/>
+              <a:round/>
+              <a:headEnd type="oval" w="med" len="med"/>
+              <a:tailEnd type="none"/>
+            </a:ln>
+            <a:effectLst/>
+          </p:spPr>
+        </p:cxnSp>
+        <p:cxnSp>
+          <p:nvCxnSpPr>
+            <p:cNvPr id="68" name="直接连接符 67"/>
+            <p:cNvCxnSpPr/>
+            <p:nvPr/>
+          </p:nvCxnSpPr>
+          <p:spPr bwMode="auto">
+            <a:xfrm>
+              <a:off x="4656020" y="3299911"/>
+              <a:ext cx="1007415" cy="672063"/>
+            </a:xfrm>
+            <a:prstGeom prst="line">
+              <a:avLst/>
+            </a:prstGeom>
+            <a:solidFill>
+              <a:srgbClr val="FFFFFF"/>
+            </a:solidFill>
+            <a:ln w="101600" cap="flat" cmpd="sng" algn="ctr">
+              <a:solidFill>
+                <a:schemeClr val="tx1"/>
+              </a:solidFill>
+              <a:prstDash val="solid"/>
+              <a:round/>
+              <a:headEnd type="oval" w="med" len="med"/>
+              <a:tailEnd type="none"/>
+            </a:ln>
+            <a:effectLst/>
+          </p:spPr>
+        </p:cxnSp>
+        <p:cxnSp>
+          <p:nvCxnSpPr>
+            <p:cNvPr id="71" name="直接连接符 70"/>
+            <p:cNvCxnSpPr/>
+            <p:nvPr/>
+          </p:nvCxnSpPr>
+          <p:spPr bwMode="auto">
+            <a:xfrm>
+              <a:off x="3577752" y="2961769"/>
+              <a:ext cx="1076417" cy="338142"/>
+            </a:xfrm>
+            <a:prstGeom prst="line">
+              <a:avLst/>
+            </a:prstGeom>
+            <a:solidFill>
+              <a:srgbClr val="FFFFFF"/>
+            </a:solidFill>
+            <a:ln w="101600" cap="flat" cmpd="sng" algn="ctr">
+              <a:solidFill>
+                <a:schemeClr val="tx1"/>
+              </a:solidFill>
+              <a:prstDash val="solid"/>
+              <a:round/>
+              <a:headEnd type="none" w="med" len="med"/>
+              <a:tailEnd type="none"/>
+            </a:ln>
+            <a:effectLst/>
+          </p:spPr>
+        </p:cxnSp>
+        <p:cxnSp>
+          <p:nvCxnSpPr>
+            <p:cNvPr id="74" name="直接连接符 73"/>
+            <p:cNvCxnSpPr/>
+            <p:nvPr/>
+          </p:nvCxnSpPr>
+          <p:spPr bwMode="auto">
+            <a:xfrm flipV="1">
+              <a:off x="3601111" y="1000175"/>
+              <a:ext cx="651268" cy="1961594"/>
+            </a:xfrm>
+            <a:prstGeom prst="line">
+              <a:avLst/>
+            </a:prstGeom>
+            <a:solidFill>
+              <a:srgbClr val="FFFFFF"/>
+            </a:solidFill>
+            <a:ln w="101600" cap="flat" cmpd="sng" algn="ctr">
+              <a:solidFill>
+                <a:schemeClr val="tx1"/>
+              </a:solidFill>
+              <a:prstDash val="solid"/>
+              <a:round/>
+              <a:headEnd type="none" w="med" len="med"/>
+              <a:tailEnd type="none"/>
+            </a:ln>
+            <a:effectLst/>
+          </p:spPr>
+        </p:cxnSp>
+        <p:cxnSp>
+          <p:nvCxnSpPr>
+            <p:cNvPr id="77" name="直接连接符 76"/>
+            <p:cNvCxnSpPr/>
+            <p:nvPr/>
+          </p:nvCxnSpPr>
+          <p:spPr bwMode="auto">
+            <a:xfrm flipH="1" flipV="1">
+              <a:off x="6338762" y="391754"/>
+              <a:ext cx="2966576" cy="2124484"/>
+            </a:xfrm>
+            <a:prstGeom prst="line">
+              <a:avLst/>
+            </a:prstGeom>
+            <a:solidFill>
+              <a:srgbClr val="FFFFFF"/>
+            </a:solidFill>
+            <a:ln w="101600" cap="flat" cmpd="sng" algn="ctr">
+              <a:solidFill>
+                <a:schemeClr val="tx1"/>
+              </a:solidFill>
+              <a:prstDash val="solid"/>
+              <a:round/>
+              <a:headEnd type="oval" w="med" len="med"/>
+              <a:tailEnd type="none"/>
+            </a:ln>
+            <a:effectLst/>
+          </p:spPr>
+        </p:cxnSp>
+        <p:cxnSp>
+          <p:nvCxnSpPr>
+            <p:cNvPr id="81" name="直接连接符 80"/>
+            <p:cNvCxnSpPr/>
+            <p:nvPr/>
+          </p:nvCxnSpPr>
+          <p:spPr bwMode="auto">
+            <a:xfrm flipH="1" flipV="1">
+              <a:off x="7923003" y="637800"/>
+              <a:ext cx="981410" cy="847102"/>
+            </a:xfrm>
+            <a:prstGeom prst="line">
+              <a:avLst/>
+            </a:prstGeom>
+            <a:solidFill>
+              <a:srgbClr val="FFFFFF"/>
+            </a:solidFill>
+            <a:ln w="101600" cap="flat" cmpd="sng" algn="ctr">
+              <a:solidFill>
+                <a:schemeClr val="tx1"/>
+              </a:solidFill>
+              <a:prstDash val="solid"/>
+              <a:round/>
+              <a:headEnd type="oval" w="med" len="med"/>
+              <a:tailEnd type="none"/>
+            </a:ln>
+            <a:effectLst/>
+          </p:spPr>
+        </p:cxnSp>
+        <p:cxnSp>
+          <p:nvCxnSpPr>
+            <p:cNvPr id="83" name="直接连接符 82"/>
+            <p:cNvCxnSpPr/>
+            <p:nvPr/>
+          </p:nvCxnSpPr>
+          <p:spPr bwMode="auto">
+            <a:xfrm flipH="1" flipV="1">
+              <a:off x="8904410" y="1497997"/>
+              <a:ext cx="400926" cy="1018240"/>
+            </a:xfrm>
+            <a:prstGeom prst="line">
+              <a:avLst/>
+            </a:prstGeom>
+            <a:solidFill>
+              <a:srgbClr val="FFFFFF"/>
+            </a:solidFill>
+            <a:ln w="101600" cap="flat" cmpd="sng" algn="ctr">
+              <a:solidFill>
+                <a:schemeClr val="tx1"/>
+              </a:solidFill>
+              <a:prstDash val="solid"/>
+              <a:round/>
+              <a:headEnd type="none" w="med" len="med"/>
+              <a:tailEnd type="none"/>
+            </a:ln>
+            <a:effectLst/>
+          </p:spPr>
+        </p:cxnSp>
+        <p:cxnSp>
+          <p:nvCxnSpPr>
+            <p:cNvPr id="86" name="直接连接符 85"/>
+            <p:cNvCxnSpPr/>
+            <p:nvPr/>
+          </p:nvCxnSpPr>
+          <p:spPr bwMode="auto">
+            <a:xfrm flipV="1">
+              <a:off x="8860894" y="2529333"/>
+              <a:ext cx="444442" cy="687284"/>
+            </a:xfrm>
+            <a:prstGeom prst="line">
+              <a:avLst/>
+            </a:prstGeom>
+            <a:solidFill>
+              <a:srgbClr val="FFFFFF"/>
+            </a:solidFill>
+            <a:ln w="101600" cap="flat" cmpd="sng" algn="ctr">
+              <a:solidFill>
+                <a:schemeClr val="tx1"/>
+              </a:solidFill>
+              <a:prstDash val="solid"/>
+              <a:round/>
+              <a:headEnd type="none" w="med" len="med"/>
+              <a:tailEnd type="none"/>
+            </a:ln>
+            <a:effectLst/>
+          </p:spPr>
+        </p:cxnSp>
+        <p:cxnSp>
+          <p:nvCxnSpPr>
+            <p:cNvPr id="89" name="直接连接符 88"/>
+            <p:cNvCxnSpPr/>
+            <p:nvPr/>
+          </p:nvCxnSpPr>
+          <p:spPr bwMode="auto">
+            <a:xfrm flipV="1">
+              <a:off x="8654961" y="3178792"/>
+              <a:ext cx="204082" cy="765253"/>
+            </a:xfrm>
+            <a:prstGeom prst="line">
+              <a:avLst/>
+            </a:prstGeom>
+            <a:solidFill>
+              <a:srgbClr val="FFFFFF"/>
+            </a:solidFill>
+            <a:ln w="101600" cap="flat" cmpd="sng" algn="ctr">
+              <a:solidFill>
+                <a:schemeClr val="tx1"/>
+              </a:solidFill>
+              <a:prstDash val="solid"/>
+              <a:round/>
+              <a:headEnd type="oval" w="med" len="med"/>
+              <a:tailEnd type="none"/>
+            </a:ln>
+            <a:effectLst/>
+          </p:spPr>
+        </p:cxnSp>
+        <p:cxnSp>
+          <p:nvCxnSpPr>
+            <p:cNvPr id="92" name="直接连接符 91"/>
+            <p:cNvCxnSpPr/>
+            <p:nvPr/>
+          </p:nvCxnSpPr>
+          <p:spPr bwMode="auto">
+            <a:xfrm>
+              <a:off x="6338763" y="396181"/>
+              <a:ext cx="1586027" cy="238595"/>
+            </a:xfrm>
+            <a:prstGeom prst="line">
+              <a:avLst/>
+            </a:prstGeom>
+            <a:solidFill>
+              <a:srgbClr val="FFFFFF"/>
+            </a:solidFill>
+            <a:ln w="101600" cap="flat" cmpd="sng" algn="ctr">
+              <a:solidFill>
+                <a:schemeClr val="tx1"/>
+              </a:solidFill>
+              <a:prstDash val="solid"/>
+              <a:round/>
+              <a:headEnd type="none" w="med" len="med"/>
+              <a:tailEnd type="none"/>
+            </a:ln>
+            <a:effectLst/>
+          </p:spPr>
+        </p:cxnSp>
+      </p:grpSp>
+    </p:spTree>
+    <p:extLst>
+      <p:ext uri="{BB962C8B-B14F-4D97-AF65-F5344CB8AC3E}">
+        <p14:creationId xmlns:p14="http://schemas.microsoft.com/office/powerpoint/2010/main" val="2538024055"/>
+      </p:ext>
+    </p:extLst>
+  </p:cSld>
+  <p:clrMapOvr>
+    <a:masterClrMapping/>
+  </p:clrMapOvr>
+  <p:transition spd="med"/>
+</p:sld>
+</file>
+
 <file path=ppt/theme/theme1.xml><?xml version="1.0" encoding="utf-8"?>
-<a:theme xmlns:a="http://schemas.openxmlformats.org/drawingml/2006/main" name="Office 主题">
+<a:theme xmlns:a="http://schemas.openxmlformats.org/drawingml/2006/main" name="Office Theme">
   <a:themeElements>
-    <a:clrScheme name="Office">
+    <a:clrScheme name="Office 主题">
       <a:dk1>
         <a:sysClr val="windowText" lastClr="000000"/>
       </a:dk1>
@@ -3797,7 +4616,7 @@
         <a:srgbClr val="954F72"/>
       </a:folHlink>
     </a:clrScheme>
-    <a:fontScheme name="Office">
+    <a:fontScheme name="Office 主题">
       <a:majorFont>
         <a:latin typeface="Calibri Light" panose="020F0302020204030204"/>
         <a:ea typeface=""/>
@@ -3869,7 +4688,7 @@
         <a:font script="Geor" typeface="Sylfaen"/>
       </a:minorFont>
     </a:fontScheme>
-    <a:fmtScheme name="Office">
+    <a:fmtScheme name="Office 主题">
       <a:fillStyleLst>
         <a:solidFill>
           <a:schemeClr val="phClr"/>
@@ -4011,7 +4830,7 @@
   <a:extraClrSchemeLst/>
   <a:extLst>
     <a:ext uri="{05A4C25C-085E-4340-85A3-A5531E510DB2}">
-      <thm15:themeFamily xmlns:thm15="http://schemas.microsoft.com/office/thememl/2012/main" name="Office Theme" id="{62F939B6-93AF-4DB8-9C6B-D6C7DFDC589F}" vid="{4A3C46E8-61CC-4603-A589-7422A47A8E4A}"/>
+      <thm15:themeFamily xmlns:thm15="http://schemas.microsoft.com/office/thememl/2012/main" name="Office Theme" id="{62F939B6-93AF-4DB8-9C6B-D6C7DFDC589F}" vid="{4F46216B-77A9-411A-B9D3-5023FCB70208}"/>
     </a:ext>
   </a:extLst>
 </a:theme>

--- a/logo/logo.pptx
+++ b/logo/logo.pptx
@@ -244,7 +244,7 @@
           <a:p>
             <a:fld id="{8EA9E01C-C954-4BD3-9583-2C6EDEF177F2}" type="datetimeFigureOut">
               <a:rPr lang="zh-CN" altLang="en-US" smtClean="0"/>
-              <a:t>2019/9/26</a:t>
+              <a:t>2019/10/17</a:t>
             </a:fld>
             <a:endParaRPr lang="zh-CN" altLang="en-US"/>
           </a:p>
@@ -414,7 +414,7 @@
           <a:p>
             <a:fld id="{8EA9E01C-C954-4BD3-9583-2C6EDEF177F2}" type="datetimeFigureOut">
               <a:rPr lang="zh-CN" altLang="en-US" smtClean="0"/>
-              <a:t>2019/9/26</a:t>
+              <a:t>2019/10/17</a:t>
             </a:fld>
             <a:endParaRPr lang="zh-CN" altLang="en-US"/>
           </a:p>
@@ -594,7 +594,7 @@
           <a:p>
             <a:fld id="{8EA9E01C-C954-4BD3-9583-2C6EDEF177F2}" type="datetimeFigureOut">
               <a:rPr lang="zh-CN" altLang="en-US" smtClean="0"/>
-              <a:t>2019/9/26</a:t>
+              <a:t>2019/10/17</a:t>
             </a:fld>
             <a:endParaRPr lang="zh-CN" altLang="en-US"/>
           </a:p>
@@ -764,7 +764,7 @@
           <a:p>
             <a:fld id="{8EA9E01C-C954-4BD3-9583-2C6EDEF177F2}" type="datetimeFigureOut">
               <a:rPr lang="zh-CN" altLang="en-US" smtClean="0"/>
-              <a:t>2019/9/26</a:t>
+              <a:t>2019/10/17</a:t>
             </a:fld>
             <a:endParaRPr lang="zh-CN" altLang="en-US"/>
           </a:p>
@@ -1010,7 +1010,7 @@
           <a:p>
             <a:fld id="{8EA9E01C-C954-4BD3-9583-2C6EDEF177F2}" type="datetimeFigureOut">
               <a:rPr lang="zh-CN" altLang="en-US" smtClean="0"/>
-              <a:t>2019/9/26</a:t>
+              <a:t>2019/10/17</a:t>
             </a:fld>
             <a:endParaRPr lang="zh-CN" altLang="en-US"/>
           </a:p>
@@ -1242,7 +1242,7 @@
           <a:p>
             <a:fld id="{8EA9E01C-C954-4BD3-9583-2C6EDEF177F2}" type="datetimeFigureOut">
               <a:rPr lang="zh-CN" altLang="en-US" smtClean="0"/>
-              <a:t>2019/9/26</a:t>
+              <a:t>2019/10/17</a:t>
             </a:fld>
             <a:endParaRPr lang="zh-CN" altLang="en-US"/>
           </a:p>
@@ -1609,7 +1609,7 @@
           <a:p>
             <a:fld id="{8EA9E01C-C954-4BD3-9583-2C6EDEF177F2}" type="datetimeFigureOut">
               <a:rPr lang="zh-CN" altLang="en-US" smtClean="0"/>
-              <a:t>2019/9/26</a:t>
+              <a:t>2019/10/17</a:t>
             </a:fld>
             <a:endParaRPr lang="zh-CN" altLang="en-US"/>
           </a:p>
@@ -1727,7 +1727,7 @@
           <a:p>
             <a:fld id="{8EA9E01C-C954-4BD3-9583-2C6EDEF177F2}" type="datetimeFigureOut">
               <a:rPr lang="zh-CN" altLang="en-US" smtClean="0"/>
-              <a:t>2019/9/26</a:t>
+              <a:t>2019/10/17</a:t>
             </a:fld>
             <a:endParaRPr lang="zh-CN" altLang="en-US"/>
           </a:p>
@@ -1822,7 +1822,7 @@
           <a:p>
             <a:fld id="{8EA9E01C-C954-4BD3-9583-2C6EDEF177F2}" type="datetimeFigureOut">
               <a:rPr lang="zh-CN" altLang="en-US" smtClean="0"/>
-              <a:t>2019/9/26</a:t>
+              <a:t>2019/10/17</a:t>
             </a:fld>
             <a:endParaRPr lang="zh-CN" altLang="en-US"/>
           </a:p>
@@ -2099,7 +2099,7 @@
           <a:p>
             <a:fld id="{8EA9E01C-C954-4BD3-9583-2C6EDEF177F2}" type="datetimeFigureOut">
               <a:rPr lang="zh-CN" altLang="en-US" smtClean="0"/>
-              <a:t>2019/9/26</a:t>
+              <a:t>2019/10/17</a:t>
             </a:fld>
             <a:endParaRPr lang="zh-CN" altLang="en-US"/>
           </a:p>
@@ -2356,7 +2356,7 @@
           <a:p>
             <a:fld id="{8EA9E01C-C954-4BD3-9583-2C6EDEF177F2}" type="datetimeFigureOut">
               <a:rPr lang="zh-CN" altLang="en-US" smtClean="0"/>
-              <a:t>2019/9/26</a:t>
+              <a:t>2019/10/17</a:t>
             </a:fld>
             <a:endParaRPr lang="zh-CN" altLang="en-US"/>
           </a:p>
@@ -2569,7 +2569,7 @@
           <a:p>
             <a:fld id="{8EA9E01C-C954-4BD3-9583-2C6EDEF177F2}" type="datetimeFigureOut">
               <a:rPr lang="zh-CN" altLang="en-US" smtClean="0"/>
-              <a:t>2019/9/26</a:t>
+              <a:t>2019/10/17</a:t>
             </a:fld>
             <a:endParaRPr lang="zh-CN" altLang="en-US"/>
           </a:p>
